--- a/STEAM ANALYSIS DASHBOARD.pptx
+++ b/STEAM ANALYSIS DASHBOARD.pptx
@@ -107,6 +107,11 @@
       </a:defRPr>
     </a:lvl9pPr>
   </p:defaultTextStyle>
+  <p:extLst>
+    <p:ext uri="{EFAFB233-063F-42B5-8137-9DF3F51BA10A}">
+      <p15:sldGuideLst xmlns:p15="http://schemas.microsoft.com/office/powerpoint/2012/main"/>
+    </p:ext>
+  </p:extLst>
 </p:presentation>
 </file>
 
@@ -3286,28 +3291,28 @@
         </p:nvSpPr>
         <p:spPr>
           <a:xfrm>
-            <a:off x="1524000" y="5514052"/>
+            <a:off x="1524000" y="5608670"/>
             <a:ext cx="9144000" cy="651910"/>
           </a:xfrm>
         </p:spPr>
         <p:txBody>
           <a:bodyPr anchor="ctr">
-            <a:normAutofit fontScale="25000" lnSpcReduction="20000"/>
+            <a:noAutofit/>
           </a:bodyPr>
           <a:lstStyle/>
           <a:p>
             <a:r>
-              <a:rPr lang="en-US" sz="5600" b="1" dirty="0">
+              <a:rPr lang="en-US" sz="1600" b="1" dirty="0">
                 <a:latin typeface="Calibri" panose="020F0502020204030204" pitchFamily="34" charset="0"/>
                 <a:ea typeface="Calibri" panose="020F0502020204030204" pitchFamily="34" charset="0"/>
                 <a:cs typeface="Times New Roman" panose="02020603050405020304" pitchFamily="18" charset="0"/>
               </a:rPr>
-              <a:t>A user-friendly tool for observations into correlations between steams’ user base and all the video games they play.</a:t>
-            </a:r>
-          </a:p>
-          <a:p>
-            <a:r>
-              <a:rPr lang="en-US" sz="5600" b="1" dirty="0">
+              <a:t>A user-friendly tool for observations between steams’ user base and all the video games they play.</a:t>
+            </a:r>
+          </a:p>
+          <a:p>
+            <a:r>
+              <a:rPr lang="en-US" sz="1600" b="1" dirty="0">
                 <a:latin typeface="Calibri" panose="020F0502020204030204" pitchFamily="34" charset="0"/>
                 <a:ea typeface="Calibri" panose="020F0502020204030204" pitchFamily="34" charset="0"/>
                 <a:cs typeface="Times New Roman" panose="02020603050405020304" pitchFamily="18" charset="0"/>
@@ -3315,7 +3320,7 @@
               <a:t>Anny </a:t>
             </a:r>
             <a:r>
-              <a:rPr lang="en-US" sz="5600" b="1" dirty="0" err="1">
+              <a:rPr lang="en-US" sz="1600" b="1" dirty="0" err="1">
                 <a:latin typeface="Calibri" panose="020F0502020204030204" pitchFamily="34" charset="0"/>
                 <a:ea typeface="Calibri" panose="020F0502020204030204" pitchFamily="34" charset="0"/>
                 <a:cs typeface="Times New Roman" panose="02020603050405020304" pitchFamily="18" charset="0"/>
@@ -3323,7 +3328,7 @@
               <a:t>Tritchler</a:t>
             </a:r>
             <a:r>
-              <a:rPr lang="en-US" sz="5600" b="1" dirty="0">
+              <a:rPr lang="en-US" sz="1600" b="1" dirty="0">
                 <a:latin typeface="Calibri" panose="020F0502020204030204" pitchFamily="34" charset="0"/>
                 <a:ea typeface="Calibri" panose="020F0502020204030204" pitchFamily="34" charset="0"/>
                 <a:cs typeface="Times New Roman" panose="02020603050405020304" pitchFamily="18" charset="0"/>
@@ -3331,7 +3336,7 @@
               <a:t> | Ryan </a:t>
             </a:r>
             <a:r>
-              <a:rPr lang="en-US" sz="5600" b="1" dirty="0" err="1">
+              <a:rPr lang="en-US" sz="1600" b="1" dirty="0" err="1">
                 <a:latin typeface="Calibri" panose="020F0502020204030204" pitchFamily="34" charset="0"/>
                 <a:ea typeface="Calibri" panose="020F0502020204030204" pitchFamily="34" charset="0"/>
                 <a:cs typeface="Times New Roman" panose="02020603050405020304" pitchFamily="18" charset="0"/>
@@ -3339,7 +3344,7 @@
               <a:t>Mangeno</a:t>
             </a:r>
             <a:r>
-              <a:rPr lang="en-US" sz="5600" b="1" dirty="0">
+              <a:rPr lang="en-US" sz="1600" b="1" dirty="0">
                 <a:latin typeface="Calibri" panose="020F0502020204030204" pitchFamily="34" charset="0"/>
                 <a:ea typeface="Calibri" panose="020F0502020204030204" pitchFamily="34" charset="0"/>
                 <a:cs typeface="Times New Roman" panose="02020603050405020304" pitchFamily="18" charset="0"/>
@@ -3348,7 +3353,7 @@
             </a:r>
           </a:p>
           <a:p>
-            <a:endParaRPr lang="en-US" sz="600" b="1" dirty="0"/>
+            <a:endParaRPr lang="en-US" sz="1600" b="1" dirty="0"/>
           </a:p>
         </p:txBody>
       </p:sp>
@@ -3573,7 +3578,7 @@
                   </a:outerShdw>
                 </a:effectLst>
               </a:rPr>
-              <a:t>OUR DASHBOARD AND YOU!</a:t>
+              <a:t>THE DASHBOARD</a:t>
             </a:r>
           </a:p>
         </p:txBody>
@@ -3720,8 +3725,8 @@
         </p:nvSpPr>
         <p:spPr>
           <a:xfrm>
-            <a:off x="7932738" y="370"/>
-            <a:ext cx="4259262" cy="6857630"/>
+            <a:off x="7865616" y="370"/>
+            <a:ext cx="4326384" cy="6857630"/>
           </a:xfrm>
           <a:prstGeom prst="rect">
             <a:avLst/>

--- a/STEAM ANALYSIS DASHBOARD.pptx
+++ b/STEAM ANALYSIS DASHBOARD.pptx
@@ -7,8 +7,10 @@
   <p:sldIdLst>
     <p:sldId id="256" r:id="rId2"/>
     <p:sldId id="257" r:id="rId3"/>
-    <p:sldId id="261" r:id="rId4"/>
-    <p:sldId id="262" r:id="rId5"/>
+    <p:sldId id="262" r:id="rId4"/>
+    <p:sldId id="264" r:id="rId5"/>
+    <p:sldId id="263" r:id="rId6"/>
+    <p:sldId id="261" r:id="rId7"/>
   </p:sldIdLst>
   <p:sldSz cx="12192000" cy="6858000"/>
   <p:notesSz cx="6858000" cy="9144000"/>
@@ -246,7 +248,7 @@
           <a:p>
             <a:fld id="{6F9C6733-D2A9-4F96-A137-DB508177323D}" type="datetimeFigureOut">
               <a:rPr lang="en-US" smtClean="0"/>
-              <a:t>9/12/2021</a:t>
+              <a:t>9/13/2021</a:t>
             </a:fld>
             <a:endParaRPr lang="en-US"/>
           </a:p>
@@ -416,7 +418,7 @@
           <a:p>
             <a:fld id="{6F9C6733-D2A9-4F96-A137-DB508177323D}" type="datetimeFigureOut">
               <a:rPr lang="en-US" smtClean="0"/>
-              <a:t>9/12/2021</a:t>
+              <a:t>9/13/2021</a:t>
             </a:fld>
             <a:endParaRPr lang="en-US"/>
           </a:p>
@@ -596,7 +598,7 @@
           <a:p>
             <a:fld id="{6F9C6733-D2A9-4F96-A137-DB508177323D}" type="datetimeFigureOut">
               <a:rPr lang="en-US" smtClean="0"/>
-              <a:t>9/12/2021</a:t>
+              <a:t>9/13/2021</a:t>
             </a:fld>
             <a:endParaRPr lang="en-US"/>
           </a:p>
@@ -766,7 +768,7 @@
           <a:p>
             <a:fld id="{6F9C6733-D2A9-4F96-A137-DB508177323D}" type="datetimeFigureOut">
               <a:rPr lang="en-US" smtClean="0"/>
-              <a:t>9/12/2021</a:t>
+              <a:t>9/13/2021</a:t>
             </a:fld>
             <a:endParaRPr lang="en-US"/>
           </a:p>
@@ -1012,7 +1014,7 @@
           <a:p>
             <a:fld id="{6F9C6733-D2A9-4F96-A137-DB508177323D}" type="datetimeFigureOut">
               <a:rPr lang="en-US" smtClean="0"/>
-              <a:t>9/12/2021</a:t>
+              <a:t>9/13/2021</a:t>
             </a:fld>
             <a:endParaRPr lang="en-US"/>
           </a:p>
@@ -1244,7 +1246,7 @@
           <a:p>
             <a:fld id="{6F9C6733-D2A9-4F96-A137-DB508177323D}" type="datetimeFigureOut">
               <a:rPr lang="en-US" smtClean="0"/>
-              <a:t>9/12/2021</a:t>
+              <a:t>9/13/2021</a:t>
             </a:fld>
             <a:endParaRPr lang="en-US"/>
           </a:p>
@@ -1611,7 +1613,7 @@
           <a:p>
             <a:fld id="{6F9C6733-D2A9-4F96-A137-DB508177323D}" type="datetimeFigureOut">
               <a:rPr lang="en-US" smtClean="0"/>
-              <a:t>9/12/2021</a:t>
+              <a:t>9/13/2021</a:t>
             </a:fld>
             <a:endParaRPr lang="en-US"/>
           </a:p>
@@ -1729,7 +1731,7 @@
           <a:p>
             <a:fld id="{6F9C6733-D2A9-4F96-A137-DB508177323D}" type="datetimeFigureOut">
               <a:rPr lang="en-US" smtClean="0"/>
-              <a:t>9/12/2021</a:t>
+              <a:t>9/13/2021</a:t>
             </a:fld>
             <a:endParaRPr lang="en-US"/>
           </a:p>
@@ -1824,7 +1826,7 @@
           <a:p>
             <a:fld id="{6F9C6733-D2A9-4F96-A137-DB508177323D}" type="datetimeFigureOut">
               <a:rPr lang="en-US" smtClean="0"/>
-              <a:t>9/12/2021</a:t>
+              <a:t>9/13/2021</a:t>
             </a:fld>
             <a:endParaRPr lang="en-US"/>
           </a:p>
@@ -2101,7 +2103,7 @@
           <a:p>
             <a:fld id="{6F9C6733-D2A9-4F96-A137-DB508177323D}" type="datetimeFigureOut">
               <a:rPr lang="en-US" smtClean="0"/>
-              <a:t>9/12/2021</a:t>
+              <a:t>9/13/2021</a:t>
             </a:fld>
             <a:endParaRPr lang="en-US"/>
           </a:p>
@@ -2358,7 +2360,7 @@
           <a:p>
             <a:fld id="{6F9C6733-D2A9-4F96-A137-DB508177323D}" type="datetimeFigureOut">
               <a:rPr lang="en-US" smtClean="0"/>
-              <a:t>9/12/2021</a:t>
+              <a:t>9/13/2021</a:t>
             </a:fld>
             <a:endParaRPr lang="en-US"/>
           </a:p>
@@ -2571,7 +2573,7 @@
           <a:p>
             <a:fld id="{6F9C6733-D2A9-4F96-A137-DB508177323D}" type="datetimeFigureOut">
               <a:rPr lang="en-US" smtClean="0"/>
-              <a:t>9/12/2021</a:t>
+              <a:t>9/13/2021</a:t>
             </a:fld>
             <a:endParaRPr lang="en-US"/>
           </a:p>
@@ -3040,7 +3042,7 @@
           <a:lstStyle/>
           <a:p>
             <a:pPr algn="ctr"/>
-            <a:endParaRPr lang="en-US"/>
+            <a:endParaRPr lang="en-US" dirty="0"/>
           </a:p>
         </p:txBody>
       </p:sp>
@@ -3156,7 +3158,7 @@
           <a:lstStyle/>
           <a:p>
             <a:pPr algn="ctr"/>
-            <a:endParaRPr lang="en-US"/>
+            <a:endParaRPr lang="en-US" dirty="0"/>
           </a:p>
         </p:txBody>
       </p:sp>
@@ -3226,7 +3228,7 @@
           <a:lstStyle/>
           <a:p>
             <a:pPr algn="ctr"/>
-            <a:endParaRPr lang="en-US"/>
+            <a:endParaRPr lang="en-US" dirty="0"/>
           </a:p>
         </p:txBody>
       </p:sp>
@@ -3291,52 +3293,36 @@
         </p:nvSpPr>
         <p:spPr>
           <a:xfrm>
-            <a:off x="1524000" y="5608670"/>
+            <a:off x="1524000" y="5514052"/>
             <a:ext cx="9144000" cy="651910"/>
           </a:xfrm>
         </p:spPr>
         <p:txBody>
           <a:bodyPr anchor="ctr">
-            <a:noAutofit/>
+            <a:normAutofit fontScale="25000" lnSpcReduction="20000"/>
           </a:bodyPr>
           <a:lstStyle/>
           <a:p>
             <a:r>
-              <a:rPr lang="en-US" sz="1600" b="1" dirty="0">
+              <a:rPr lang="en-US" sz="5600" b="1" dirty="0">
                 <a:latin typeface="Calibri" panose="020F0502020204030204" pitchFamily="34" charset="0"/>
                 <a:ea typeface="Calibri" panose="020F0502020204030204" pitchFamily="34" charset="0"/>
                 <a:cs typeface="Times New Roman" panose="02020603050405020304" pitchFamily="18" charset="0"/>
               </a:rPr>
-              <a:t>A user-friendly tool for observations between steams’ user base and all the video games they play.</a:t>
-            </a:r>
-          </a:p>
-          <a:p>
-            <a:r>
-              <a:rPr lang="en-US" sz="1600" b="1" dirty="0">
+              <a:t>A user-friendly tool for observations into correlations between steams’ user base and all the video games they play.</a:t>
+            </a:r>
+          </a:p>
+          <a:p>
+            <a:r>
+              <a:rPr lang="en-US" sz="5600" b="1" dirty="0">
                 <a:latin typeface="Calibri" panose="020F0502020204030204" pitchFamily="34" charset="0"/>
                 <a:ea typeface="Calibri" panose="020F0502020204030204" pitchFamily="34" charset="0"/>
                 <a:cs typeface="Times New Roman" panose="02020603050405020304" pitchFamily="18" charset="0"/>
               </a:rPr>
-              <a:t>Anny </a:t>
-            </a:r>
-            <a:r>
-              <a:rPr lang="en-US" sz="1600" b="1" dirty="0" err="1">
-                <a:latin typeface="Calibri" panose="020F0502020204030204" pitchFamily="34" charset="0"/>
-                <a:ea typeface="Calibri" panose="020F0502020204030204" pitchFamily="34" charset="0"/>
-                <a:cs typeface="Times New Roman" panose="02020603050405020304" pitchFamily="18" charset="0"/>
-              </a:rPr>
-              <a:t>Tritchler</a:t>
-            </a:r>
-            <a:r>
-              <a:rPr lang="en-US" sz="1600" b="1" dirty="0">
-                <a:latin typeface="Calibri" panose="020F0502020204030204" pitchFamily="34" charset="0"/>
-                <a:ea typeface="Calibri" panose="020F0502020204030204" pitchFamily="34" charset="0"/>
-                <a:cs typeface="Times New Roman" panose="02020603050405020304" pitchFamily="18" charset="0"/>
-              </a:rPr>
-              <a:t> | Ryan </a:t>
-            </a:r>
-            <a:r>
-              <a:rPr lang="en-US" sz="1600" b="1" dirty="0" err="1">
+              <a:t>Anny Tritchler | Ryan </a:t>
+            </a:r>
+            <a:r>
+              <a:rPr lang="en-US" sz="5600" b="1" dirty="0" err="1">
                 <a:latin typeface="Calibri" panose="020F0502020204030204" pitchFamily="34" charset="0"/>
                 <a:ea typeface="Calibri" panose="020F0502020204030204" pitchFamily="34" charset="0"/>
                 <a:cs typeface="Times New Roman" panose="02020603050405020304" pitchFamily="18" charset="0"/>
@@ -3344,7 +3330,7 @@
               <a:t>Mangeno</a:t>
             </a:r>
             <a:r>
-              <a:rPr lang="en-US" sz="1600" b="1" dirty="0">
+              <a:rPr lang="en-US" sz="5600" b="1" dirty="0">
                 <a:latin typeface="Calibri" panose="020F0502020204030204" pitchFamily="34" charset="0"/>
                 <a:ea typeface="Calibri" panose="020F0502020204030204" pitchFamily="34" charset="0"/>
                 <a:cs typeface="Times New Roman" panose="02020603050405020304" pitchFamily="18" charset="0"/>
@@ -3353,7 +3339,7 @@
             </a:r>
           </a:p>
           <a:p>
-            <a:endParaRPr lang="en-US" sz="1600" b="1" dirty="0"/>
+            <a:endParaRPr lang="en-US" sz="600" b="1" dirty="0"/>
           </a:p>
         </p:txBody>
       </p:sp>
@@ -3578,7 +3564,7 @@
                   </a:outerShdw>
                 </a:effectLst>
               </a:rPr>
-              <a:t>THE DASHBOARD</a:t>
+              <a:t>OUR DASHBOARD AND YOU!</a:t>
             </a:r>
           </a:p>
         </p:txBody>
@@ -3713,6 +3699,1073 @@
       </p:grpSpPr>
       <p:sp>
         <p:nvSpPr>
+          <p:cNvPr id="6" name="Rectangle 5">
+            <a:extLst>
+              <a:ext uri="{FF2B5EF4-FFF2-40B4-BE49-F238E27FC236}">
+                <a16:creationId xmlns:a16="http://schemas.microsoft.com/office/drawing/2014/main" id="{375F7E82-78AD-462A-A0A3-30356A44BEC6}"/>
+              </a:ext>
+            </a:extLst>
+          </p:cNvPr>
+          <p:cNvSpPr/>
+          <p:nvPr/>
+        </p:nvSpPr>
+        <p:spPr>
+          <a:xfrm>
+            <a:off x="0" y="0"/>
+            <a:ext cx="12192000" cy="1325563"/>
+          </a:xfrm>
+          <a:prstGeom prst="rect">
+            <a:avLst/>
+          </a:prstGeom>
+          <a:effectLst>
+            <a:outerShdw blurRad="57150" dist="19050" dir="5400000" algn="ctr" rotWithShape="0">
+              <a:srgbClr val="000000">
+                <a:alpha val="20000"/>
+              </a:srgbClr>
+            </a:outerShdw>
+          </a:effectLst>
+        </p:spPr>
+        <p:style>
+          <a:lnRef idx="0">
+            <a:schemeClr val="accent3"/>
+          </a:lnRef>
+          <a:fillRef idx="3">
+            <a:schemeClr val="accent3"/>
+          </a:fillRef>
+          <a:effectRef idx="3">
+            <a:schemeClr val="accent3"/>
+          </a:effectRef>
+          <a:fontRef idx="minor">
+            <a:schemeClr val="lt1"/>
+          </a:fontRef>
+        </p:style>
+        <p:txBody>
+          <a:bodyPr rtlCol="0" anchor="ctr"/>
+          <a:lstStyle/>
+          <a:p>
+            <a:pPr algn="ctr"/>
+            <a:endParaRPr lang="en-US" dirty="0"/>
+          </a:p>
+        </p:txBody>
+      </p:sp>
+      <p:sp>
+        <p:nvSpPr>
+          <p:cNvPr id="2" name="Title 1">
+            <a:extLst>
+              <a:ext uri="{FF2B5EF4-FFF2-40B4-BE49-F238E27FC236}">
+                <a16:creationId xmlns:a16="http://schemas.microsoft.com/office/drawing/2014/main" id="{E2C93ED1-1CF4-466C-8532-234F8405B55B}"/>
+              </a:ext>
+            </a:extLst>
+          </p:cNvPr>
+          <p:cNvSpPr>
+            <a:spLocks noGrp="1"/>
+          </p:cNvSpPr>
+          <p:nvPr>
+            <p:ph type="title"/>
+          </p:nvPr>
+        </p:nvSpPr>
+        <p:spPr>
+          <a:xfrm>
+            <a:off x="838200" y="250031"/>
+            <a:ext cx="10515600" cy="1325563"/>
+          </a:xfrm>
+        </p:spPr>
+        <p:txBody>
+          <a:bodyPr/>
+          <a:lstStyle/>
+          <a:p>
+            <a:pPr algn="ctr"/>
+            <a:r>
+              <a:rPr lang="en-US" b="1" dirty="0">
+                <a:solidFill>
+                  <a:schemeClr val="bg1"/>
+                </a:solidFill>
+                <a:effectLst>
+                  <a:outerShdw blurRad="50800" dist="38100" dir="2700000" algn="tl" rotWithShape="0">
+                    <a:prstClr val="black">
+                      <a:alpha val="40000"/>
+                    </a:prstClr>
+                  </a:outerShdw>
+                </a:effectLst>
+              </a:rPr>
+              <a:t>REFERENCES &amp; TOOLS</a:t>
+            </a:r>
+            <a:endParaRPr lang="en-US" b="1" dirty="0"/>
+          </a:p>
+        </p:txBody>
+      </p:sp>
+      <p:sp>
+        <p:nvSpPr>
+          <p:cNvPr id="3" name="Content Placeholder 2">
+            <a:extLst>
+              <a:ext uri="{FF2B5EF4-FFF2-40B4-BE49-F238E27FC236}">
+                <a16:creationId xmlns:a16="http://schemas.microsoft.com/office/drawing/2014/main" id="{7D7DCBA7-28EE-427A-9077-A3EBD998895E}"/>
+              </a:ext>
+            </a:extLst>
+          </p:cNvPr>
+          <p:cNvSpPr>
+            <a:spLocks noGrp="1"/>
+          </p:cNvSpPr>
+          <p:nvPr>
+            <p:ph sz="half" idx="1"/>
+          </p:nvPr>
+        </p:nvSpPr>
+        <p:spPr/>
+        <p:txBody>
+          <a:bodyPr/>
+          <a:lstStyle/>
+          <a:p>
+            <a:pPr marL="0" marR="0">
+              <a:spcBef>
+                <a:spcPts val="0"/>
+              </a:spcBef>
+              <a:spcAft>
+                <a:spcPts val="0"/>
+              </a:spcAft>
+            </a:pPr>
+            <a:r>
+              <a:rPr lang="en-US" sz="1800" dirty="0">
+                <a:effectLst/>
+                <a:latin typeface="Calibri" panose="020F0502020204030204" pitchFamily="34" charset="0"/>
+                <a:ea typeface="Calibri" panose="020F0502020204030204" pitchFamily="34" charset="0"/>
+                <a:cs typeface="Times New Roman" panose="02020603050405020304" pitchFamily="18" charset="0"/>
+              </a:rPr>
+              <a:t>The Steam Database</a:t>
+            </a:r>
+          </a:p>
+          <a:p>
+            <a:pPr marL="0" marR="0">
+              <a:spcBef>
+                <a:spcPts val="0"/>
+              </a:spcBef>
+              <a:spcAft>
+                <a:spcPts val="0"/>
+              </a:spcAft>
+            </a:pPr>
+            <a:r>
+              <a:rPr lang="en-US" sz="1800" u="sng" dirty="0">
+                <a:solidFill>
+                  <a:srgbClr val="0563C1"/>
+                </a:solidFill>
+                <a:effectLst/>
+                <a:latin typeface="Calibri" panose="020F0502020204030204" pitchFamily="34" charset="0"/>
+                <a:ea typeface="Calibri" panose="020F0502020204030204" pitchFamily="34" charset="0"/>
+                <a:cs typeface="Times New Roman" panose="02020603050405020304" pitchFamily="18" charset="0"/>
+                <a:hlinkClick r:id="rId2"/>
+              </a:rPr>
+              <a:t>https://steam.internet.byu.edu/</a:t>
+            </a:r>
+            <a:endParaRPr lang="en-US" sz="1800" u="sng" dirty="0">
+              <a:solidFill>
+                <a:srgbClr val="0563C1"/>
+              </a:solidFill>
+              <a:effectLst/>
+              <a:latin typeface="Calibri" panose="020F0502020204030204" pitchFamily="34" charset="0"/>
+              <a:ea typeface="Calibri" panose="020F0502020204030204" pitchFamily="34" charset="0"/>
+              <a:cs typeface="Times New Roman" panose="02020603050405020304" pitchFamily="18" charset="0"/>
+            </a:endParaRPr>
+          </a:p>
+          <a:p>
+            <a:pPr marL="0" marR="0">
+              <a:spcBef>
+                <a:spcPts val="0"/>
+              </a:spcBef>
+              <a:spcAft>
+                <a:spcPts val="0"/>
+              </a:spcAft>
+            </a:pPr>
+            <a:endParaRPr lang="en-US" sz="1800" dirty="0">
+              <a:effectLst/>
+              <a:latin typeface="Calibri" panose="020F0502020204030204" pitchFamily="34" charset="0"/>
+              <a:ea typeface="Calibri" panose="020F0502020204030204" pitchFamily="34" charset="0"/>
+              <a:cs typeface="Times New Roman" panose="02020603050405020304" pitchFamily="18" charset="0"/>
+            </a:endParaRPr>
+          </a:p>
+          <a:p>
+            <a:pPr marL="0" marR="0">
+              <a:spcBef>
+                <a:spcPts val="0"/>
+              </a:spcBef>
+              <a:spcAft>
+                <a:spcPts val="0"/>
+              </a:spcAft>
+            </a:pPr>
+            <a:r>
+              <a:rPr lang="en-US" sz="1800" dirty="0" err="1">
+                <a:effectLst/>
+                <a:latin typeface="Calibri" panose="020F0502020204030204" pitchFamily="34" charset="0"/>
+                <a:ea typeface="Calibri" panose="020F0502020204030204" pitchFamily="34" charset="0"/>
+                <a:cs typeface="Times New Roman" panose="02020603050405020304" pitchFamily="18" charset="0"/>
+              </a:rPr>
+              <a:t>GeoJSON</a:t>
+            </a:r>
+            <a:r>
+              <a:rPr lang="en-US" sz="1800" dirty="0">
+                <a:effectLst/>
+                <a:latin typeface="Calibri" panose="020F0502020204030204" pitchFamily="34" charset="0"/>
+                <a:ea typeface="Calibri" panose="020F0502020204030204" pitchFamily="34" charset="0"/>
+                <a:cs typeface="Times New Roman" panose="02020603050405020304" pitchFamily="18" charset="0"/>
+              </a:rPr>
+              <a:t> template for every country:</a:t>
+            </a:r>
+          </a:p>
+          <a:p>
+            <a:pPr marL="0" marR="0">
+              <a:spcBef>
+                <a:spcPts val="0"/>
+              </a:spcBef>
+              <a:spcAft>
+                <a:spcPts val="0"/>
+              </a:spcAft>
+            </a:pPr>
+            <a:r>
+              <a:rPr lang="en-US" sz="1800" u="sng" dirty="0">
+                <a:solidFill>
+                  <a:srgbClr val="0563C1"/>
+                </a:solidFill>
+                <a:effectLst/>
+                <a:latin typeface="Calibri" panose="020F0502020204030204" pitchFamily="34" charset="0"/>
+                <a:ea typeface="Calibri" panose="020F0502020204030204" pitchFamily="34" charset="0"/>
+                <a:cs typeface="Times New Roman" panose="02020603050405020304" pitchFamily="18" charset="0"/>
+                <a:hlinkClick r:id="rId3"/>
+              </a:rPr>
+              <a:t>https://github.com/johan/world.geo.json/blob/master/countries.geo.json</a:t>
+            </a:r>
+            <a:endParaRPr lang="en-US" sz="1800" u="sng" dirty="0">
+              <a:solidFill>
+                <a:srgbClr val="0563C1"/>
+              </a:solidFill>
+              <a:effectLst/>
+              <a:latin typeface="Calibri" panose="020F0502020204030204" pitchFamily="34" charset="0"/>
+              <a:ea typeface="Calibri" panose="020F0502020204030204" pitchFamily="34" charset="0"/>
+              <a:cs typeface="Times New Roman" panose="02020603050405020304" pitchFamily="18" charset="0"/>
+            </a:endParaRPr>
+          </a:p>
+          <a:p>
+            <a:pPr marL="0" marR="0">
+              <a:spcBef>
+                <a:spcPts val="0"/>
+              </a:spcBef>
+              <a:spcAft>
+                <a:spcPts val="0"/>
+              </a:spcAft>
+            </a:pPr>
+            <a:endParaRPr lang="en-US" sz="1800" dirty="0">
+              <a:effectLst/>
+              <a:latin typeface="Calibri" panose="020F0502020204030204" pitchFamily="34" charset="0"/>
+              <a:ea typeface="Calibri" panose="020F0502020204030204" pitchFamily="34" charset="0"/>
+              <a:cs typeface="Times New Roman" panose="02020603050405020304" pitchFamily="18" charset="0"/>
+            </a:endParaRPr>
+          </a:p>
+          <a:p>
+            <a:pPr marL="0" marR="0">
+              <a:spcBef>
+                <a:spcPts val="0"/>
+              </a:spcBef>
+              <a:spcAft>
+                <a:spcPts val="0"/>
+              </a:spcAft>
+            </a:pPr>
+            <a:r>
+              <a:rPr lang="en-US" sz="1800" dirty="0">
+                <a:effectLst/>
+                <a:latin typeface="Calibri" panose="020F0502020204030204" pitchFamily="34" charset="0"/>
+                <a:ea typeface="Calibri" panose="020F0502020204030204" pitchFamily="34" charset="0"/>
+                <a:cs typeface="Times New Roman" panose="02020603050405020304" pitchFamily="18" charset="0"/>
+              </a:rPr>
+              <a:t>Alpha 2 and Alpha 3 codes for every country:</a:t>
+            </a:r>
+          </a:p>
+          <a:p>
+            <a:pPr marL="0" marR="0">
+              <a:spcBef>
+                <a:spcPts val="0"/>
+              </a:spcBef>
+              <a:spcAft>
+                <a:spcPts val="0"/>
+              </a:spcAft>
+            </a:pPr>
+            <a:r>
+              <a:rPr lang="en-US" sz="1800" u="sng" dirty="0">
+                <a:solidFill>
+                  <a:srgbClr val="0563C1"/>
+                </a:solidFill>
+                <a:effectLst/>
+                <a:latin typeface="Calibri" panose="020F0502020204030204" pitchFamily="34" charset="0"/>
+                <a:ea typeface="Calibri" panose="020F0502020204030204" pitchFamily="34" charset="0"/>
+                <a:cs typeface="Times New Roman" panose="02020603050405020304" pitchFamily="18" charset="0"/>
+                <a:hlinkClick r:id="rId4"/>
+              </a:rPr>
+              <a:t>https://gist.github.com/tadast/8827699#file-countries_codes_and_coordinates-csv</a:t>
+            </a:r>
+            <a:endParaRPr lang="en-US" sz="1800" u="sng" dirty="0">
+              <a:solidFill>
+                <a:srgbClr val="0563C1"/>
+              </a:solidFill>
+              <a:effectLst/>
+              <a:latin typeface="Calibri" panose="020F0502020204030204" pitchFamily="34" charset="0"/>
+              <a:ea typeface="Calibri" panose="020F0502020204030204" pitchFamily="34" charset="0"/>
+              <a:cs typeface="Times New Roman" panose="02020603050405020304" pitchFamily="18" charset="0"/>
+            </a:endParaRPr>
+          </a:p>
+          <a:p>
+            <a:pPr marL="0" marR="0">
+              <a:spcBef>
+                <a:spcPts val="0"/>
+              </a:spcBef>
+              <a:spcAft>
+                <a:spcPts val="0"/>
+              </a:spcAft>
+            </a:pPr>
+            <a:endParaRPr lang="en-US" sz="1800" dirty="0">
+              <a:effectLst/>
+              <a:latin typeface="Calibri" panose="020F0502020204030204" pitchFamily="34" charset="0"/>
+              <a:ea typeface="Calibri" panose="020F0502020204030204" pitchFamily="34" charset="0"/>
+              <a:cs typeface="Times New Roman" panose="02020603050405020304" pitchFamily="18" charset="0"/>
+            </a:endParaRPr>
+          </a:p>
+        </p:txBody>
+      </p:sp>
+      <p:sp>
+        <p:nvSpPr>
+          <p:cNvPr id="4" name="Content Placeholder 3">
+            <a:extLst>
+              <a:ext uri="{FF2B5EF4-FFF2-40B4-BE49-F238E27FC236}">
+                <a16:creationId xmlns:a16="http://schemas.microsoft.com/office/drawing/2014/main" id="{5974F037-0CE2-47AF-81D2-8558F5B9D8DC}"/>
+              </a:ext>
+            </a:extLst>
+          </p:cNvPr>
+          <p:cNvSpPr>
+            <a:spLocks noGrp="1"/>
+          </p:cNvSpPr>
+          <p:nvPr>
+            <p:ph sz="half" idx="2"/>
+          </p:nvPr>
+        </p:nvSpPr>
+        <p:spPr/>
+        <p:txBody>
+          <a:bodyPr numCol="2">
+            <a:normAutofit/>
+          </a:bodyPr>
+          <a:lstStyle/>
+          <a:p>
+            <a:r>
+              <a:rPr lang="en-US" sz="1800" dirty="0"/>
+              <a:t>Flask</a:t>
+            </a:r>
+          </a:p>
+          <a:p>
+            <a:r>
+              <a:rPr lang="en-US" sz="1800" dirty="0"/>
+              <a:t>Dash</a:t>
+            </a:r>
+          </a:p>
+          <a:p>
+            <a:r>
+              <a:rPr lang="en-US" sz="1800" dirty="0" err="1"/>
+              <a:t>Dash_Core</a:t>
+            </a:r>
+            <a:endParaRPr lang="en-US" sz="1800" dirty="0"/>
+          </a:p>
+          <a:p>
+            <a:r>
+              <a:rPr lang="en-US" sz="1800" dirty="0" err="1"/>
+              <a:t>Dash_HTML</a:t>
+            </a:r>
+            <a:endParaRPr lang="en-US" sz="1800" dirty="0"/>
+          </a:p>
+          <a:p>
+            <a:r>
+              <a:rPr lang="en-US" sz="1800" dirty="0" err="1"/>
+              <a:t>Dash_Bootstrap</a:t>
+            </a:r>
+            <a:endParaRPr lang="en-US" sz="1800" dirty="0"/>
+          </a:p>
+          <a:p>
+            <a:r>
+              <a:rPr lang="en-US" sz="1800" dirty="0"/>
+              <a:t>HTML</a:t>
+            </a:r>
+          </a:p>
+          <a:p>
+            <a:r>
+              <a:rPr lang="en-US" sz="1800" dirty="0"/>
+              <a:t>CSS</a:t>
+            </a:r>
+          </a:p>
+          <a:p>
+            <a:r>
+              <a:rPr lang="en-US" sz="1800" dirty="0"/>
+              <a:t>Bootstrap</a:t>
+            </a:r>
+          </a:p>
+          <a:p>
+            <a:r>
+              <a:rPr lang="en-US" sz="1800" dirty="0" err="1"/>
+              <a:t>Javascript</a:t>
+            </a:r>
+            <a:endParaRPr lang="en-US" sz="1800" dirty="0"/>
+          </a:p>
+          <a:p>
+            <a:endParaRPr lang="en-US" sz="1800" dirty="0"/>
+          </a:p>
+          <a:p>
+            <a:endParaRPr lang="en-US" sz="1800" dirty="0"/>
+          </a:p>
+          <a:p>
+            <a:r>
+              <a:rPr lang="en-US" sz="1800" dirty="0"/>
+              <a:t>Python</a:t>
+            </a:r>
+          </a:p>
+          <a:p>
+            <a:r>
+              <a:rPr lang="en-US" sz="1800" dirty="0"/>
+              <a:t>Sqlite3</a:t>
+            </a:r>
+          </a:p>
+          <a:p>
+            <a:r>
+              <a:rPr lang="en-US" sz="1800" dirty="0" err="1"/>
+              <a:t>Plotly</a:t>
+            </a:r>
+            <a:endParaRPr lang="en-US" sz="1800" dirty="0"/>
+          </a:p>
+          <a:p>
+            <a:r>
+              <a:rPr lang="en-US" sz="1800" dirty="0"/>
+              <a:t>Pandas</a:t>
+            </a:r>
+          </a:p>
+          <a:p>
+            <a:r>
+              <a:rPr lang="en-US" sz="1800" dirty="0" err="1"/>
+              <a:t>Pathlib</a:t>
+            </a:r>
+            <a:endParaRPr lang="en-US" sz="1800" dirty="0"/>
+          </a:p>
+          <a:p>
+            <a:r>
+              <a:rPr lang="en-US" sz="1800" dirty="0"/>
+              <a:t>OS</a:t>
+            </a:r>
+          </a:p>
+          <a:p>
+            <a:r>
+              <a:rPr lang="en-US" sz="1800" dirty="0"/>
+              <a:t>CSV</a:t>
+            </a:r>
+          </a:p>
+          <a:p>
+            <a:r>
+              <a:rPr lang="en-US" sz="1800" dirty="0"/>
+              <a:t>JSON</a:t>
+            </a:r>
+          </a:p>
+          <a:p>
+            <a:r>
+              <a:rPr lang="en-US" sz="1800" dirty="0"/>
+              <a:t>D3</a:t>
+            </a:r>
+          </a:p>
+        </p:txBody>
+      </p:sp>
+    </p:spTree>
+    <p:extLst>
+      <p:ext uri="{BB962C8B-B14F-4D97-AF65-F5344CB8AC3E}">
+        <p14:creationId xmlns:p14="http://schemas.microsoft.com/office/powerpoint/2010/main" val="2584585142"/>
+      </p:ext>
+    </p:extLst>
+  </p:cSld>
+  <p:clrMapOvr>
+    <a:masterClrMapping/>
+  </p:clrMapOvr>
+</p:sld>
+</file>
+
+<file path=ppt/slides/slide4.xml><?xml version="1.0" encoding="utf-8"?>
+<p:sld xmlns:a="http://schemas.openxmlformats.org/drawingml/2006/main" xmlns:r="http://schemas.openxmlformats.org/officeDocument/2006/relationships" xmlns:p="http://schemas.openxmlformats.org/presentationml/2006/main">
+  <p:cSld>
+    <p:spTree>
+      <p:nvGrpSpPr>
+        <p:cNvPr id="1" name=""/>
+        <p:cNvGrpSpPr/>
+        <p:nvPr/>
+      </p:nvGrpSpPr>
+      <p:grpSpPr>
+        <a:xfrm>
+          <a:off x="0" y="0"/>
+          <a:ext cx="0" cy="0"/>
+          <a:chOff x="0" y="0"/>
+          <a:chExt cx="0" cy="0"/>
+        </a:xfrm>
+      </p:grpSpPr>
+      <p:sp>
+        <p:nvSpPr>
+          <p:cNvPr id="2" name="Title 1">
+            <a:extLst>
+              <a:ext uri="{FF2B5EF4-FFF2-40B4-BE49-F238E27FC236}">
+                <a16:creationId xmlns:a16="http://schemas.microsoft.com/office/drawing/2014/main" id="{34B88AB8-D1B4-436B-BF2D-5737B979DD5C}"/>
+              </a:ext>
+            </a:extLst>
+          </p:cNvPr>
+          <p:cNvSpPr>
+            <a:spLocks noGrp="1"/>
+          </p:cNvSpPr>
+          <p:nvPr>
+            <p:ph type="title"/>
+          </p:nvPr>
+        </p:nvSpPr>
+        <p:spPr>
+          <a:xfrm>
+            <a:off x="838200" y="681036"/>
+            <a:ext cx="10515600" cy="644527"/>
+          </a:xfrm>
+        </p:spPr>
+        <p:txBody>
+          <a:bodyPr>
+            <a:normAutofit fontScale="90000"/>
+          </a:bodyPr>
+          <a:lstStyle/>
+          <a:p>
+            <a:endParaRPr lang="en-US" dirty="0"/>
+          </a:p>
+        </p:txBody>
+      </p:sp>
+      <p:sp>
+        <p:nvSpPr>
+          <p:cNvPr id="3" name="Content Placeholder 2">
+            <a:extLst>
+              <a:ext uri="{FF2B5EF4-FFF2-40B4-BE49-F238E27FC236}">
+                <a16:creationId xmlns:a16="http://schemas.microsoft.com/office/drawing/2014/main" id="{CE7E7378-B8AC-4CC9-AB72-3C2B8ACBEB01}"/>
+              </a:ext>
+            </a:extLst>
+          </p:cNvPr>
+          <p:cNvSpPr>
+            <a:spLocks noGrp="1"/>
+          </p:cNvSpPr>
+          <p:nvPr>
+            <p:ph idx="1"/>
+          </p:nvPr>
+        </p:nvSpPr>
+        <p:spPr/>
+        <p:txBody>
+          <a:bodyPr>
+            <a:normAutofit/>
+          </a:bodyPr>
+          <a:lstStyle/>
+          <a:p>
+            <a:r>
+              <a:rPr lang="en-US" dirty="0"/>
+              <a:t>Regional influences drive video game trends.</a:t>
+            </a:r>
+          </a:p>
+          <a:p>
+            <a:pPr lvl="1"/>
+            <a:r>
+              <a:rPr lang="en-US" dirty="0"/>
+              <a:t>Does regional household income influence the way gamers play and choose games?</a:t>
+            </a:r>
+            <a:br>
+              <a:rPr lang="en-US" dirty="0"/>
+            </a:br>
+            <a:endParaRPr lang="en-US" dirty="0"/>
+          </a:p>
+          <a:p>
+            <a:r>
+              <a:rPr lang="en-US" dirty="0"/>
+              <a:t>Are there correlations between what genres players are likely to buy?</a:t>
+            </a:r>
+          </a:p>
+          <a:p>
+            <a:pPr lvl="1"/>
+            <a:r>
+              <a:rPr lang="en-US" dirty="0"/>
+              <a:t>What complementary markets can your company pitch your game to, based on genre?</a:t>
+            </a:r>
+            <a:br>
+              <a:rPr lang="en-US" dirty="0"/>
+            </a:br>
+            <a:endParaRPr lang="en-US" dirty="0"/>
+          </a:p>
+          <a:p>
+            <a:r>
+              <a:rPr lang="en-US" sz="2600" dirty="0"/>
+              <a:t>What is the current gamer trend? Are people spending more or less time gaming currently?</a:t>
+            </a:r>
+          </a:p>
+          <a:p>
+            <a:pPr lvl="1"/>
+            <a:r>
+              <a:rPr lang="en-US" dirty="0"/>
+              <a:t>Are there more casual gamers now vs more serious long-term players?</a:t>
+            </a:r>
+          </a:p>
+          <a:p>
+            <a:pPr lvl="1"/>
+            <a:endParaRPr lang="en-US" dirty="0"/>
+          </a:p>
+          <a:p>
+            <a:endParaRPr lang="en-US" dirty="0"/>
+          </a:p>
+        </p:txBody>
+      </p:sp>
+      <p:sp>
+        <p:nvSpPr>
+          <p:cNvPr id="4" name="Rectangle 3">
+            <a:extLst>
+              <a:ext uri="{FF2B5EF4-FFF2-40B4-BE49-F238E27FC236}">
+                <a16:creationId xmlns:a16="http://schemas.microsoft.com/office/drawing/2014/main" id="{C8C5E4F0-AF74-4C5E-B341-367364FA89D5}"/>
+              </a:ext>
+            </a:extLst>
+          </p:cNvPr>
+          <p:cNvSpPr/>
+          <p:nvPr/>
+        </p:nvSpPr>
+        <p:spPr>
+          <a:xfrm>
+            <a:off x="0" y="0"/>
+            <a:ext cx="12192000" cy="1325563"/>
+          </a:xfrm>
+          <a:prstGeom prst="rect">
+            <a:avLst/>
+          </a:prstGeom>
+          <a:effectLst>
+            <a:outerShdw blurRad="57150" dist="19050" dir="5400000" algn="ctr" rotWithShape="0">
+              <a:srgbClr val="000000">
+                <a:alpha val="20000"/>
+              </a:srgbClr>
+            </a:outerShdw>
+          </a:effectLst>
+        </p:spPr>
+        <p:style>
+          <a:lnRef idx="0">
+            <a:schemeClr val="accent3"/>
+          </a:lnRef>
+          <a:fillRef idx="3">
+            <a:schemeClr val="accent3"/>
+          </a:fillRef>
+          <a:effectRef idx="3">
+            <a:schemeClr val="accent3"/>
+          </a:effectRef>
+          <a:fontRef idx="minor">
+            <a:schemeClr val="lt1"/>
+          </a:fontRef>
+        </p:style>
+        <p:txBody>
+          <a:bodyPr rtlCol="0" anchor="ctr"/>
+          <a:lstStyle/>
+          <a:p>
+            <a:pPr algn="ctr"/>
+            <a:endParaRPr lang="en-US"/>
+          </a:p>
+        </p:txBody>
+      </p:sp>
+      <p:sp>
+        <p:nvSpPr>
+          <p:cNvPr id="5" name="Title 1">
+            <a:extLst>
+              <a:ext uri="{FF2B5EF4-FFF2-40B4-BE49-F238E27FC236}">
+                <a16:creationId xmlns:a16="http://schemas.microsoft.com/office/drawing/2014/main" id="{FE93F3B6-3BEE-4243-AAFC-45C3BA189B09}"/>
+              </a:ext>
+            </a:extLst>
+          </p:cNvPr>
+          <p:cNvSpPr txBox="1">
+            <a:spLocks/>
+          </p:cNvSpPr>
+          <p:nvPr/>
+        </p:nvSpPr>
+        <p:spPr>
+          <a:xfrm>
+            <a:off x="838200" y="250031"/>
+            <a:ext cx="10515600" cy="1325563"/>
+          </a:xfrm>
+          <a:prstGeom prst="rect">
+            <a:avLst/>
+          </a:prstGeom>
+        </p:spPr>
+        <p:txBody>
+          <a:bodyPr vert="horz" lIns="91440" tIns="45720" rIns="91440" bIns="45720" rtlCol="0" anchor="ctr">
+            <a:normAutofit/>
+          </a:bodyPr>
+          <a:lstStyle>
+            <a:lvl1pPr algn="l" defTabSz="914400" rtl="0" eaLnBrk="1" latinLnBrk="0" hangingPunct="1">
+              <a:lnSpc>
+                <a:spcPct val="90000"/>
+              </a:lnSpc>
+              <a:spcBef>
+                <a:spcPct val="0"/>
+              </a:spcBef>
+              <a:buNone/>
+              <a:defRPr sz="4400" kern="1200">
+                <a:solidFill>
+                  <a:schemeClr val="tx1"/>
+                </a:solidFill>
+                <a:latin typeface="+mj-lt"/>
+                <a:ea typeface="+mj-ea"/>
+                <a:cs typeface="+mj-cs"/>
+              </a:defRPr>
+            </a:lvl1pPr>
+          </a:lstStyle>
+          <a:p>
+            <a:pPr algn="ctr"/>
+            <a:r>
+              <a:rPr lang="en-US" b="1">
+                <a:solidFill>
+                  <a:schemeClr val="bg1"/>
+                </a:solidFill>
+                <a:effectLst>
+                  <a:outerShdw blurRad="50800" dist="38100" dir="2700000" algn="tl" rotWithShape="0">
+                    <a:prstClr val="black">
+                      <a:alpha val="40000"/>
+                    </a:prstClr>
+                  </a:outerShdw>
+                </a:effectLst>
+              </a:rPr>
+              <a:t>EXPLORATION</a:t>
+            </a:r>
+            <a:endParaRPr lang="en-US" b="1" dirty="0"/>
+          </a:p>
+        </p:txBody>
+      </p:sp>
+    </p:spTree>
+    <p:extLst>
+      <p:ext uri="{BB962C8B-B14F-4D97-AF65-F5344CB8AC3E}">
+        <p14:creationId xmlns:p14="http://schemas.microsoft.com/office/powerpoint/2010/main" val="2549453233"/>
+      </p:ext>
+    </p:extLst>
+  </p:cSld>
+  <p:clrMapOvr>
+    <a:masterClrMapping/>
+  </p:clrMapOvr>
+</p:sld>
+</file>
+
+<file path=ppt/slides/slide5.xml><?xml version="1.0" encoding="utf-8"?>
+<p:sld xmlns:a="http://schemas.openxmlformats.org/drawingml/2006/main" xmlns:r="http://schemas.openxmlformats.org/officeDocument/2006/relationships" xmlns:p="http://schemas.openxmlformats.org/presentationml/2006/main">
+  <p:cSld>
+    <p:spTree>
+      <p:nvGrpSpPr>
+        <p:cNvPr id="1" name=""/>
+        <p:cNvGrpSpPr/>
+        <p:nvPr/>
+      </p:nvGrpSpPr>
+      <p:grpSpPr>
+        <a:xfrm>
+          <a:off x="0" y="0"/>
+          <a:ext cx="0" cy="0"/>
+          <a:chOff x="0" y="0"/>
+          <a:chExt cx="0" cy="0"/>
+        </a:xfrm>
+      </p:grpSpPr>
+      <p:pic>
+        <p:nvPicPr>
+          <p:cNvPr id="11" name="Content Placeholder 10" descr="Graphical user interface, chart&#10;&#10;Description automatically generated">
+            <a:extLst>
+              <a:ext uri="{FF2B5EF4-FFF2-40B4-BE49-F238E27FC236}">
+                <a16:creationId xmlns:a16="http://schemas.microsoft.com/office/drawing/2014/main" id="{F6A3F721-A46F-4864-BF8D-295BA0EA0594}"/>
+              </a:ext>
+            </a:extLst>
+          </p:cNvPr>
+          <p:cNvPicPr>
+            <a:picLocks noGrp="1" noChangeAspect="1"/>
+          </p:cNvPicPr>
+          <p:nvPr>
+            <p:ph idx="1"/>
+          </p:nvPr>
+        </p:nvPicPr>
+        <p:blipFill rotWithShape="1">
+          <a:blip r:embed="rId2">
+            <a:alphaModFix/>
+            <a:extLst>
+              <a:ext uri="{28A0092B-C50C-407E-A947-70E740481C1C}">
+                <a14:useLocalDpi xmlns:a14="http://schemas.microsoft.com/office/drawing/2010/main" val="0"/>
+              </a:ext>
+            </a:extLst>
+          </a:blip>
+          <a:srcRect l="10604" t="8320" r="10028" b="4065"/>
+          <a:stretch/>
+        </p:blipFill>
+        <p:spPr>
+          <a:xfrm>
+            <a:off x="3676454" y="145276"/>
+            <a:ext cx="8515546" cy="5287632"/>
+          </a:xfrm>
+        </p:spPr>
+      </p:pic>
+      <p:sp>
+        <p:nvSpPr>
+          <p:cNvPr id="20" name="Rectangle 19">
+            <a:extLst>
+              <a:ext uri="{FF2B5EF4-FFF2-40B4-BE49-F238E27FC236}">
+                <a16:creationId xmlns:a16="http://schemas.microsoft.com/office/drawing/2014/main" id="{ED15B696-C803-4268-924E-74D021785D7F}"/>
+              </a:ext>
+            </a:extLst>
+          </p:cNvPr>
+          <p:cNvSpPr/>
+          <p:nvPr/>
+        </p:nvSpPr>
+        <p:spPr>
+          <a:xfrm>
+            <a:off x="0" y="5532437"/>
+            <a:ext cx="12192000" cy="1325563"/>
+          </a:xfrm>
+          <a:prstGeom prst="rect">
+            <a:avLst/>
+          </a:prstGeom>
+          <a:effectLst>
+            <a:outerShdw blurRad="57150" dist="19050" dir="5400000" algn="ctr" rotWithShape="0">
+              <a:srgbClr val="000000">
+                <a:alpha val="20000"/>
+              </a:srgbClr>
+            </a:outerShdw>
+          </a:effectLst>
+        </p:spPr>
+        <p:style>
+          <a:lnRef idx="0">
+            <a:schemeClr val="accent3"/>
+          </a:lnRef>
+          <a:fillRef idx="3">
+            <a:schemeClr val="accent3"/>
+          </a:fillRef>
+          <a:effectRef idx="3">
+            <a:schemeClr val="accent3"/>
+          </a:effectRef>
+          <a:fontRef idx="minor">
+            <a:schemeClr val="lt1"/>
+          </a:fontRef>
+        </p:style>
+        <p:txBody>
+          <a:bodyPr rtlCol="0" anchor="ctr"/>
+          <a:lstStyle/>
+          <a:p>
+            <a:pPr algn="ctr"/>
+            <a:endParaRPr lang="en-US"/>
+          </a:p>
+        </p:txBody>
+      </p:sp>
+      <p:sp>
+        <p:nvSpPr>
+          <p:cNvPr id="24" name="Title 1">
+            <a:extLst>
+              <a:ext uri="{FF2B5EF4-FFF2-40B4-BE49-F238E27FC236}">
+                <a16:creationId xmlns:a16="http://schemas.microsoft.com/office/drawing/2014/main" id="{68C7D648-459E-4211-8D52-841A938961D5}"/>
+              </a:ext>
+            </a:extLst>
+          </p:cNvPr>
+          <p:cNvSpPr>
+            <a:spLocks noGrp="1"/>
+          </p:cNvSpPr>
+          <p:nvPr>
+            <p:ph type="title"/>
+          </p:nvPr>
+        </p:nvSpPr>
+        <p:spPr>
+          <a:xfrm>
+            <a:off x="838200" y="5631966"/>
+            <a:ext cx="10515600" cy="1325563"/>
+          </a:xfrm>
+        </p:spPr>
+        <p:txBody>
+          <a:bodyPr>
+            <a:normAutofit/>
+          </a:bodyPr>
+          <a:lstStyle/>
+          <a:p>
+            <a:pPr algn="ctr"/>
+            <a:r>
+              <a:rPr lang="en-US" b="1" dirty="0">
+                <a:solidFill>
+                  <a:schemeClr val="bg1"/>
+                </a:solidFill>
+                <a:effectLst>
+                  <a:outerShdw blurRad="50800" dist="38100" dir="2700000" algn="tl" rotWithShape="0">
+                    <a:prstClr val="black">
+                      <a:alpha val="40000"/>
+                    </a:prstClr>
+                  </a:outerShdw>
+                </a:effectLst>
+              </a:rPr>
+              <a:t>Visualizations and Findings</a:t>
+            </a:r>
+          </a:p>
+        </p:txBody>
+      </p:sp>
+      <p:sp>
+        <p:nvSpPr>
+          <p:cNvPr id="14" name="TextBox 13">
+            <a:extLst>
+              <a:ext uri="{FF2B5EF4-FFF2-40B4-BE49-F238E27FC236}">
+                <a16:creationId xmlns:a16="http://schemas.microsoft.com/office/drawing/2014/main" id="{6285C50C-8339-4100-BFF0-BE5F952FB752}"/>
+              </a:ext>
+            </a:extLst>
+          </p:cNvPr>
+          <p:cNvSpPr txBox="1"/>
+          <p:nvPr/>
+        </p:nvSpPr>
+        <p:spPr>
+          <a:xfrm>
+            <a:off x="113121" y="245097"/>
+            <a:ext cx="3742441" cy="6186309"/>
+          </a:xfrm>
+          <a:prstGeom prst="rect">
+            <a:avLst/>
+          </a:prstGeom>
+          <a:noFill/>
+        </p:spPr>
+        <p:txBody>
+          <a:bodyPr wrap="square" rtlCol="0">
+            <a:spAutoFit/>
+          </a:bodyPr>
+          <a:lstStyle/>
+          <a:p>
+            <a:r>
+              <a:rPr lang="en-US" dirty="0"/>
+              <a:t>Analysis Results:</a:t>
+            </a:r>
+          </a:p>
+          <a:p>
+            <a:endParaRPr lang="en-US" dirty="0"/>
+          </a:p>
+          <a:p>
+            <a:pPr marL="285750" indent="-285750">
+              <a:buFont typeface="Arial" panose="020B0604020202020204" pitchFamily="34" charset="0"/>
+              <a:buChar char="•"/>
+            </a:pPr>
+            <a:r>
+              <a:rPr lang="en-US" dirty="0"/>
+              <a:t>US has a significant higher number of gamers than the rest of the world, distantly followed by Russia/Germany.</a:t>
+            </a:r>
+          </a:p>
+          <a:p>
+            <a:pPr marL="285750" indent="-285750">
+              <a:buFont typeface="Arial" panose="020B0604020202020204" pitchFamily="34" charset="0"/>
+              <a:buChar char="•"/>
+            </a:pPr>
+            <a:endParaRPr lang="en-US" dirty="0"/>
+          </a:p>
+          <a:p>
+            <a:pPr marL="285750" indent="-285750">
+              <a:buFont typeface="Arial" panose="020B0604020202020204" pitchFamily="34" charset="0"/>
+              <a:buChar char="•"/>
+            </a:pPr>
+            <a:r>
+              <a:rPr lang="en-US" dirty="0"/>
+              <a:t>More gamers identify as casual gamers than any other type.</a:t>
+            </a:r>
+          </a:p>
+          <a:p>
+            <a:pPr marL="285750" indent="-285750">
+              <a:buFont typeface="Arial" panose="020B0604020202020204" pitchFamily="34" charset="0"/>
+              <a:buChar char="•"/>
+            </a:pPr>
+            <a:endParaRPr lang="en-US" dirty="0"/>
+          </a:p>
+          <a:p>
+            <a:pPr marL="285750" indent="-285750">
+              <a:buFont typeface="Arial" panose="020B0604020202020204" pitchFamily="34" charset="0"/>
+              <a:buChar char="•"/>
+            </a:pPr>
+            <a:r>
+              <a:rPr lang="en-US" dirty="0"/>
+              <a:t>Strong correlations exist between genre ownership, while other genres don’t branch out as well.</a:t>
+            </a:r>
+          </a:p>
+          <a:p>
+            <a:pPr marL="285750" indent="-285750">
+              <a:buFont typeface="Arial" panose="020B0604020202020204" pitchFamily="34" charset="0"/>
+              <a:buChar char="•"/>
+            </a:pPr>
+            <a:endParaRPr lang="en-US" dirty="0"/>
+          </a:p>
+          <a:p>
+            <a:r>
+              <a:rPr lang="en-US" dirty="0"/>
+              <a:t>For a </a:t>
+            </a:r>
+            <a:r>
+              <a:rPr lang="en-US"/>
+              <a:t>more accurate study</a:t>
+            </a:r>
+            <a:r>
+              <a:rPr lang="en-US" dirty="0"/>
+              <a:t>, we’d need:</a:t>
+            </a:r>
+          </a:p>
+          <a:p>
+            <a:pPr marL="285750" indent="-285750">
+              <a:buFont typeface="Arial" panose="020B0604020202020204" pitchFamily="34" charset="0"/>
+              <a:buChar char="•"/>
+            </a:pPr>
+            <a:r>
+              <a:rPr lang="en-US" dirty="0"/>
+              <a:t>Better collection of data-over-time</a:t>
+            </a:r>
+          </a:p>
+          <a:p>
+            <a:pPr marL="285750" indent="-285750">
+              <a:buFont typeface="Arial" panose="020B0604020202020204" pitchFamily="34" charset="0"/>
+              <a:buChar char="•"/>
+            </a:pPr>
+            <a:r>
+              <a:rPr lang="en-US" dirty="0"/>
+              <a:t>Tools that are able to handle significantly larger file sizes</a:t>
+            </a:r>
+          </a:p>
+          <a:p>
+            <a:pPr marL="285750" indent="-285750">
+              <a:buFont typeface="Arial" panose="020B0604020202020204" pitchFamily="34" charset="0"/>
+              <a:buChar char="•"/>
+            </a:pPr>
+            <a:endParaRPr lang="en-US" dirty="0"/>
+          </a:p>
+          <a:p>
+            <a:pPr marL="285750" indent="-285750">
+              <a:buFont typeface="Arial" panose="020B0604020202020204" pitchFamily="34" charset="0"/>
+              <a:buChar char="•"/>
+            </a:pPr>
+            <a:endParaRPr lang="en-US" dirty="0"/>
+          </a:p>
+          <a:p>
+            <a:endParaRPr lang="en-US" dirty="0"/>
+          </a:p>
+          <a:p>
+            <a:endParaRPr lang="en-US" dirty="0"/>
+          </a:p>
+        </p:txBody>
+      </p:sp>
+    </p:spTree>
+    <p:extLst>
+      <p:ext uri="{BB962C8B-B14F-4D97-AF65-F5344CB8AC3E}">
+        <p14:creationId xmlns:p14="http://schemas.microsoft.com/office/powerpoint/2010/main" val="2306865134"/>
+      </p:ext>
+    </p:extLst>
+  </p:cSld>
+  <p:clrMapOvr>
+    <a:masterClrMapping/>
+  </p:clrMapOvr>
+</p:sld>
+</file>
+
+<file path=ppt/slides/slide6.xml><?xml version="1.0" encoding="utf-8"?>
+<p:sld xmlns:a="http://schemas.openxmlformats.org/drawingml/2006/main" xmlns:r="http://schemas.openxmlformats.org/officeDocument/2006/relationships" xmlns:p="http://schemas.openxmlformats.org/presentationml/2006/main">
+  <p:cSld>
+    <p:spTree>
+      <p:nvGrpSpPr>
+        <p:cNvPr id="1" name=""/>
+        <p:cNvGrpSpPr/>
+        <p:nvPr/>
+      </p:nvGrpSpPr>
+      <p:grpSpPr>
+        <a:xfrm>
+          <a:off x="0" y="0"/>
+          <a:ext cx="0" cy="0"/>
+          <a:chOff x="0" y="0"/>
+          <a:chExt cx="0" cy="0"/>
+        </a:xfrm>
+      </p:grpSpPr>
+      <p:sp>
+        <p:nvSpPr>
           <p:cNvPr id="23" name="Rectangle 22">
             <a:extLst>
               <a:ext uri="{FF2B5EF4-FFF2-40B4-BE49-F238E27FC236}">
@@ -3725,8 +4778,8 @@
         </p:nvSpPr>
         <p:spPr>
           <a:xfrm>
-            <a:off x="7865616" y="370"/>
-            <a:ext cx="4326384" cy="6857630"/>
+            <a:off x="7932738" y="370"/>
+            <a:ext cx="4259262" cy="6857630"/>
           </a:xfrm>
           <a:prstGeom prst="rect">
             <a:avLst/>
@@ -3760,7 +4813,7 @@
           <a:lstStyle/>
           <a:p>
             <a:pPr algn="ctr"/>
-            <a:endParaRPr lang="en-US">
+            <a:endParaRPr lang="en-US" dirty="0">
               <a:effectLst>
                 <a:outerShdw blurRad="50800" dist="38100" dir="2700000" algn="tl" rotWithShape="0">
                   <a:prstClr val="black">
@@ -4379,509 +5432,6 @@
     <p:extLst>
       <p:ext uri="{BB962C8B-B14F-4D97-AF65-F5344CB8AC3E}">
         <p14:creationId xmlns:p14="http://schemas.microsoft.com/office/powerpoint/2010/main" val="4233537037"/>
-      </p:ext>
-    </p:extLst>
-  </p:cSld>
-  <p:clrMapOvr>
-    <a:masterClrMapping/>
-  </p:clrMapOvr>
-</p:sld>
-</file>
-
-<file path=ppt/slides/slide4.xml><?xml version="1.0" encoding="utf-8"?>
-<p:sld xmlns:a="http://schemas.openxmlformats.org/drawingml/2006/main" xmlns:r="http://schemas.openxmlformats.org/officeDocument/2006/relationships" xmlns:p="http://schemas.openxmlformats.org/presentationml/2006/main">
-  <p:cSld>
-    <p:spTree>
-      <p:nvGrpSpPr>
-        <p:cNvPr id="1" name=""/>
-        <p:cNvGrpSpPr/>
-        <p:nvPr/>
-      </p:nvGrpSpPr>
-      <p:grpSpPr>
-        <a:xfrm>
-          <a:off x="0" y="0"/>
-          <a:ext cx="0" cy="0"/>
-          <a:chOff x="0" y="0"/>
-          <a:chExt cx="0" cy="0"/>
-        </a:xfrm>
-      </p:grpSpPr>
-      <p:sp>
-        <p:nvSpPr>
-          <p:cNvPr id="6" name="Rectangle 5">
-            <a:extLst>
-              <a:ext uri="{FF2B5EF4-FFF2-40B4-BE49-F238E27FC236}">
-                <a16:creationId xmlns:a16="http://schemas.microsoft.com/office/drawing/2014/main" id="{375F7E82-78AD-462A-A0A3-30356A44BEC6}"/>
-              </a:ext>
-            </a:extLst>
-          </p:cNvPr>
-          <p:cNvSpPr/>
-          <p:nvPr/>
-        </p:nvSpPr>
-        <p:spPr>
-          <a:xfrm>
-            <a:off x="0" y="0"/>
-            <a:ext cx="12192000" cy="1325563"/>
-          </a:xfrm>
-          <a:prstGeom prst="rect">
-            <a:avLst/>
-          </a:prstGeom>
-          <a:effectLst>
-            <a:outerShdw blurRad="57150" dist="19050" dir="5400000" algn="ctr" rotWithShape="0">
-              <a:srgbClr val="000000">
-                <a:alpha val="20000"/>
-              </a:srgbClr>
-            </a:outerShdw>
-          </a:effectLst>
-        </p:spPr>
-        <p:style>
-          <a:lnRef idx="0">
-            <a:schemeClr val="accent3"/>
-          </a:lnRef>
-          <a:fillRef idx="3">
-            <a:schemeClr val="accent3"/>
-          </a:fillRef>
-          <a:effectRef idx="3">
-            <a:schemeClr val="accent3"/>
-          </a:effectRef>
-          <a:fontRef idx="minor">
-            <a:schemeClr val="lt1"/>
-          </a:fontRef>
-        </p:style>
-        <p:txBody>
-          <a:bodyPr rtlCol="0" anchor="ctr"/>
-          <a:lstStyle/>
-          <a:p>
-            <a:pPr algn="ctr"/>
-            <a:endParaRPr lang="en-US"/>
-          </a:p>
-        </p:txBody>
-      </p:sp>
-      <p:sp>
-        <p:nvSpPr>
-          <p:cNvPr id="2" name="Title 1">
-            <a:extLst>
-              <a:ext uri="{FF2B5EF4-FFF2-40B4-BE49-F238E27FC236}">
-                <a16:creationId xmlns:a16="http://schemas.microsoft.com/office/drawing/2014/main" id="{E2C93ED1-1CF4-466C-8532-234F8405B55B}"/>
-              </a:ext>
-            </a:extLst>
-          </p:cNvPr>
-          <p:cNvSpPr>
-            <a:spLocks noGrp="1"/>
-          </p:cNvSpPr>
-          <p:nvPr>
-            <p:ph type="title"/>
-          </p:nvPr>
-        </p:nvSpPr>
-        <p:spPr>
-          <a:xfrm>
-            <a:off x="838200" y="250031"/>
-            <a:ext cx="10515600" cy="1325563"/>
-          </a:xfrm>
-        </p:spPr>
-        <p:txBody>
-          <a:bodyPr/>
-          <a:lstStyle/>
-          <a:p>
-            <a:pPr algn="ctr"/>
-            <a:r>
-              <a:rPr lang="en-US" b="1" dirty="0">
-                <a:solidFill>
-                  <a:schemeClr val="bg1"/>
-                </a:solidFill>
-                <a:effectLst>
-                  <a:outerShdw blurRad="50800" dist="38100" dir="2700000" algn="tl" rotWithShape="0">
-                    <a:prstClr val="black">
-                      <a:alpha val="40000"/>
-                    </a:prstClr>
-                  </a:outerShdw>
-                </a:effectLst>
-              </a:rPr>
-              <a:t>REFERENCES &amp; TOOLS</a:t>
-            </a:r>
-            <a:endParaRPr lang="en-US" b="1" dirty="0"/>
-          </a:p>
-        </p:txBody>
-      </p:sp>
-      <p:sp>
-        <p:nvSpPr>
-          <p:cNvPr id="3" name="Content Placeholder 2">
-            <a:extLst>
-              <a:ext uri="{FF2B5EF4-FFF2-40B4-BE49-F238E27FC236}">
-                <a16:creationId xmlns:a16="http://schemas.microsoft.com/office/drawing/2014/main" id="{7D7DCBA7-28EE-427A-9077-A3EBD998895E}"/>
-              </a:ext>
-            </a:extLst>
-          </p:cNvPr>
-          <p:cNvSpPr>
-            <a:spLocks noGrp="1"/>
-          </p:cNvSpPr>
-          <p:nvPr>
-            <p:ph sz="half" idx="1"/>
-          </p:nvPr>
-        </p:nvSpPr>
-        <p:spPr/>
-        <p:txBody>
-          <a:bodyPr/>
-          <a:lstStyle/>
-          <a:p>
-            <a:pPr marL="0" marR="0">
-              <a:spcBef>
-                <a:spcPts val="0"/>
-              </a:spcBef>
-              <a:spcAft>
-                <a:spcPts val="0"/>
-              </a:spcAft>
-            </a:pPr>
-            <a:r>
-              <a:rPr lang="en-US" sz="1800" dirty="0">
-                <a:effectLst/>
-                <a:latin typeface="Calibri" panose="020F0502020204030204" pitchFamily="34" charset="0"/>
-                <a:ea typeface="Calibri" panose="020F0502020204030204" pitchFamily="34" charset="0"/>
-                <a:cs typeface="Times New Roman" panose="02020603050405020304" pitchFamily="18" charset="0"/>
-              </a:rPr>
-              <a:t>The Steam Database</a:t>
-            </a:r>
-          </a:p>
-          <a:p>
-            <a:pPr marL="0" marR="0">
-              <a:spcBef>
-                <a:spcPts val="0"/>
-              </a:spcBef>
-              <a:spcAft>
-                <a:spcPts val="0"/>
-              </a:spcAft>
-            </a:pPr>
-            <a:r>
-              <a:rPr lang="en-US" sz="1800" u="sng" dirty="0">
-                <a:solidFill>
-                  <a:srgbClr val="0563C1"/>
-                </a:solidFill>
-                <a:effectLst/>
-                <a:latin typeface="Calibri" panose="020F0502020204030204" pitchFamily="34" charset="0"/>
-                <a:ea typeface="Calibri" panose="020F0502020204030204" pitchFamily="34" charset="0"/>
-                <a:cs typeface="Times New Roman" panose="02020603050405020304" pitchFamily="18" charset="0"/>
-                <a:hlinkClick r:id="rId2"/>
-              </a:rPr>
-              <a:t>https://academictorrents.com/details/eba3b48fcdaa9e69a927051f1678251a86a546f3</a:t>
-            </a:r>
-            <a:endParaRPr lang="en-US" sz="1800" u="sng" dirty="0">
-              <a:solidFill>
-                <a:srgbClr val="0563C1"/>
-              </a:solidFill>
-              <a:effectLst/>
-              <a:latin typeface="Calibri" panose="020F0502020204030204" pitchFamily="34" charset="0"/>
-              <a:ea typeface="Calibri" panose="020F0502020204030204" pitchFamily="34" charset="0"/>
-              <a:cs typeface="Times New Roman" panose="02020603050405020304" pitchFamily="18" charset="0"/>
-            </a:endParaRPr>
-          </a:p>
-          <a:p>
-            <a:pPr marL="0" marR="0">
-              <a:spcBef>
-                <a:spcPts val="0"/>
-              </a:spcBef>
-              <a:spcAft>
-                <a:spcPts val="0"/>
-              </a:spcAft>
-            </a:pPr>
-            <a:endParaRPr lang="en-US" sz="1800" dirty="0">
-              <a:effectLst/>
-              <a:latin typeface="Calibri" panose="020F0502020204030204" pitchFamily="34" charset="0"/>
-              <a:ea typeface="Calibri" panose="020F0502020204030204" pitchFamily="34" charset="0"/>
-              <a:cs typeface="Times New Roman" panose="02020603050405020304" pitchFamily="18" charset="0"/>
-            </a:endParaRPr>
-          </a:p>
-          <a:p>
-            <a:pPr marL="0" marR="0">
-              <a:spcBef>
-                <a:spcPts val="0"/>
-              </a:spcBef>
-              <a:spcAft>
-                <a:spcPts val="0"/>
-              </a:spcAft>
-            </a:pPr>
-            <a:r>
-              <a:rPr lang="en-US" sz="1800" dirty="0" err="1">
-                <a:effectLst/>
-                <a:latin typeface="Calibri" panose="020F0502020204030204" pitchFamily="34" charset="0"/>
-                <a:ea typeface="Calibri" panose="020F0502020204030204" pitchFamily="34" charset="0"/>
-                <a:cs typeface="Times New Roman" panose="02020603050405020304" pitchFamily="18" charset="0"/>
-              </a:rPr>
-              <a:t>GeoJSON</a:t>
-            </a:r>
-            <a:r>
-              <a:rPr lang="en-US" sz="1800" dirty="0">
-                <a:effectLst/>
-                <a:latin typeface="Calibri" panose="020F0502020204030204" pitchFamily="34" charset="0"/>
-                <a:ea typeface="Calibri" panose="020F0502020204030204" pitchFamily="34" charset="0"/>
-                <a:cs typeface="Times New Roman" panose="02020603050405020304" pitchFamily="18" charset="0"/>
-              </a:rPr>
-              <a:t> template for every country:</a:t>
-            </a:r>
-          </a:p>
-          <a:p>
-            <a:pPr marL="0" marR="0">
-              <a:spcBef>
-                <a:spcPts val="0"/>
-              </a:spcBef>
-              <a:spcAft>
-                <a:spcPts val="0"/>
-              </a:spcAft>
-            </a:pPr>
-            <a:r>
-              <a:rPr lang="en-US" sz="1800" u="sng" dirty="0">
-                <a:solidFill>
-                  <a:srgbClr val="0563C1"/>
-                </a:solidFill>
-                <a:effectLst/>
-                <a:latin typeface="Calibri" panose="020F0502020204030204" pitchFamily="34" charset="0"/>
-                <a:ea typeface="Calibri" panose="020F0502020204030204" pitchFamily="34" charset="0"/>
-                <a:cs typeface="Times New Roman" panose="02020603050405020304" pitchFamily="18" charset="0"/>
-                <a:hlinkClick r:id="rId3"/>
-              </a:rPr>
-              <a:t>https://github.com/johan/world.geo.json/blob/master/countries.geo.json</a:t>
-            </a:r>
-            <a:endParaRPr lang="en-US" sz="1800" u="sng" dirty="0">
-              <a:solidFill>
-                <a:srgbClr val="0563C1"/>
-              </a:solidFill>
-              <a:effectLst/>
-              <a:latin typeface="Calibri" panose="020F0502020204030204" pitchFamily="34" charset="0"/>
-              <a:ea typeface="Calibri" panose="020F0502020204030204" pitchFamily="34" charset="0"/>
-              <a:cs typeface="Times New Roman" panose="02020603050405020304" pitchFamily="18" charset="0"/>
-            </a:endParaRPr>
-          </a:p>
-          <a:p>
-            <a:pPr marL="0" marR="0">
-              <a:spcBef>
-                <a:spcPts val="0"/>
-              </a:spcBef>
-              <a:spcAft>
-                <a:spcPts val="0"/>
-              </a:spcAft>
-            </a:pPr>
-            <a:endParaRPr lang="en-US" sz="1800" dirty="0">
-              <a:effectLst/>
-              <a:latin typeface="Calibri" panose="020F0502020204030204" pitchFamily="34" charset="0"/>
-              <a:ea typeface="Calibri" panose="020F0502020204030204" pitchFamily="34" charset="0"/>
-              <a:cs typeface="Times New Roman" panose="02020603050405020304" pitchFamily="18" charset="0"/>
-            </a:endParaRPr>
-          </a:p>
-          <a:p>
-            <a:pPr marL="0" marR="0">
-              <a:spcBef>
-                <a:spcPts val="0"/>
-              </a:spcBef>
-              <a:spcAft>
-                <a:spcPts val="0"/>
-              </a:spcAft>
-            </a:pPr>
-            <a:r>
-              <a:rPr lang="en-US" sz="1800" dirty="0">
-                <a:effectLst/>
-                <a:latin typeface="Calibri" panose="020F0502020204030204" pitchFamily="34" charset="0"/>
-                <a:ea typeface="Calibri" panose="020F0502020204030204" pitchFamily="34" charset="0"/>
-                <a:cs typeface="Times New Roman" panose="02020603050405020304" pitchFamily="18" charset="0"/>
-              </a:rPr>
-              <a:t>Alpha 2 and Alpha 3 codes for every country:</a:t>
-            </a:r>
-          </a:p>
-          <a:p>
-            <a:pPr marL="0" marR="0">
-              <a:spcBef>
-                <a:spcPts val="0"/>
-              </a:spcBef>
-              <a:spcAft>
-                <a:spcPts val="0"/>
-              </a:spcAft>
-            </a:pPr>
-            <a:r>
-              <a:rPr lang="en-US" sz="1800" u="sng" dirty="0">
-                <a:solidFill>
-                  <a:srgbClr val="0563C1"/>
-                </a:solidFill>
-                <a:effectLst/>
-                <a:latin typeface="Calibri" panose="020F0502020204030204" pitchFamily="34" charset="0"/>
-                <a:ea typeface="Calibri" panose="020F0502020204030204" pitchFamily="34" charset="0"/>
-                <a:cs typeface="Times New Roman" panose="02020603050405020304" pitchFamily="18" charset="0"/>
-                <a:hlinkClick r:id="rId4"/>
-              </a:rPr>
-              <a:t>https://gist.github.com/tadast/8827699#file-countries_codes_and_coordinates-csv</a:t>
-            </a:r>
-            <a:endParaRPr lang="en-US" sz="1800" u="sng" dirty="0">
-              <a:solidFill>
-                <a:srgbClr val="0563C1"/>
-              </a:solidFill>
-              <a:effectLst/>
-              <a:latin typeface="Calibri" panose="020F0502020204030204" pitchFamily="34" charset="0"/>
-              <a:ea typeface="Calibri" panose="020F0502020204030204" pitchFamily="34" charset="0"/>
-              <a:cs typeface="Times New Roman" panose="02020603050405020304" pitchFamily="18" charset="0"/>
-            </a:endParaRPr>
-          </a:p>
-          <a:p>
-            <a:pPr marL="0" marR="0">
-              <a:spcBef>
-                <a:spcPts val="0"/>
-              </a:spcBef>
-              <a:spcAft>
-                <a:spcPts val="0"/>
-              </a:spcAft>
-            </a:pPr>
-            <a:endParaRPr lang="en-US" sz="1800" dirty="0">
-              <a:effectLst/>
-              <a:latin typeface="Calibri" panose="020F0502020204030204" pitchFamily="34" charset="0"/>
-              <a:ea typeface="Calibri" panose="020F0502020204030204" pitchFamily="34" charset="0"/>
-              <a:cs typeface="Times New Roman" panose="02020603050405020304" pitchFamily="18" charset="0"/>
-            </a:endParaRPr>
-          </a:p>
-        </p:txBody>
-      </p:sp>
-      <p:sp>
-        <p:nvSpPr>
-          <p:cNvPr id="4" name="Content Placeholder 3">
-            <a:extLst>
-              <a:ext uri="{FF2B5EF4-FFF2-40B4-BE49-F238E27FC236}">
-                <a16:creationId xmlns:a16="http://schemas.microsoft.com/office/drawing/2014/main" id="{5974F037-0CE2-47AF-81D2-8558F5B9D8DC}"/>
-              </a:ext>
-            </a:extLst>
-          </p:cNvPr>
-          <p:cNvSpPr>
-            <a:spLocks noGrp="1"/>
-          </p:cNvSpPr>
-          <p:nvPr>
-            <p:ph sz="half" idx="2"/>
-          </p:nvPr>
-        </p:nvSpPr>
-        <p:spPr/>
-        <p:txBody>
-          <a:bodyPr numCol="2">
-            <a:normAutofit/>
-          </a:bodyPr>
-          <a:lstStyle/>
-          <a:p>
-            <a:r>
-              <a:rPr lang="en-US" sz="1800" dirty="0"/>
-              <a:t>Flask</a:t>
-            </a:r>
-          </a:p>
-          <a:p>
-            <a:r>
-              <a:rPr lang="en-US" sz="1800" dirty="0"/>
-              <a:t>Dash</a:t>
-            </a:r>
-          </a:p>
-          <a:p>
-            <a:r>
-              <a:rPr lang="en-US" sz="1800" dirty="0" err="1"/>
-              <a:t>Dash_Core</a:t>
-            </a:r>
-            <a:endParaRPr lang="en-US" sz="1800" dirty="0"/>
-          </a:p>
-          <a:p>
-            <a:r>
-              <a:rPr lang="en-US" sz="1800" dirty="0" err="1"/>
-              <a:t>Dash_HTML</a:t>
-            </a:r>
-            <a:endParaRPr lang="en-US" sz="1800" dirty="0"/>
-          </a:p>
-          <a:p>
-            <a:r>
-              <a:rPr lang="en-US" sz="1800" dirty="0" err="1"/>
-              <a:t>Dash_Bootstrap</a:t>
-            </a:r>
-            <a:endParaRPr lang="en-US" sz="1800" dirty="0"/>
-          </a:p>
-          <a:p>
-            <a:r>
-              <a:rPr lang="en-US" sz="1800" dirty="0"/>
-              <a:t>HTML</a:t>
-            </a:r>
-          </a:p>
-          <a:p>
-            <a:r>
-              <a:rPr lang="en-US" sz="1800" dirty="0"/>
-              <a:t>CSS</a:t>
-            </a:r>
-          </a:p>
-          <a:p>
-            <a:r>
-              <a:rPr lang="en-US" sz="1800" dirty="0"/>
-              <a:t>Bootstrap</a:t>
-            </a:r>
-          </a:p>
-          <a:p>
-            <a:r>
-              <a:rPr lang="en-US" sz="1800" dirty="0" err="1"/>
-              <a:t>Javascript</a:t>
-            </a:r>
-            <a:endParaRPr lang="en-US" sz="1800" dirty="0"/>
-          </a:p>
-          <a:p>
-            <a:endParaRPr lang="en-US" sz="1800" dirty="0"/>
-          </a:p>
-          <a:p>
-            <a:endParaRPr lang="en-US" sz="1800" dirty="0"/>
-          </a:p>
-          <a:p>
-            <a:r>
-              <a:rPr lang="en-US" sz="1800" dirty="0"/>
-              <a:t>Python</a:t>
-            </a:r>
-          </a:p>
-          <a:p>
-            <a:r>
-              <a:rPr lang="en-US" sz="1800" dirty="0"/>
-              <a:t>Sqlite3</a:t>
-            </a:r>
-          </a:p>
-          <a:p>
-            <a:r>
-              <a:rPr lang="en-US" sz="1800" dirty="0" err="1"/>
-              <a:t>Plotly</a:t>
-            </a:r>
-            <a:endParaRPr lang="en-US" sz="1800" dirty="0"/>
-          </a:p>
-          <a:p>
-            <a:r>
-              <a:rPr lang="en-US" sz="1800" dirty="0"/>
-              <a:t>Pandas</a:t>
-            </a:r>
-          </a:p>
-          <a:p>
-            <a:r>
-              <a:rPr lang="en-US" sz="1800" dirty="0" err="1"/>
-              <a:t>Pathlib</a:t>
-            </a:r>
-            <a:endParaRPr lang="en-US" sz="1800" dirty="0"/>
-          </a:p>
-          <a:p>
-            <a:r>
-              <a:rPr lang="en-US" sz="1800" dirty="0"/>
-              <a:t>OS</a:t>
-            </a:r>
-          </a:p>
-          <a:p>
-            <a:r>
-              <a:rPr lang="en-US" sz="1800" dirty="0"/>
-              <a:t>CSV</a:t>
-            </a:r>
-          </a:p>
-          <a:p>
-            <a:r>
-              <a:rPr lang="en-US" sz="1800" dirty="0"/>
-              <a:t>JSON</a:t>
-            </a:r>
-          </a:p>
-          <a:p>
-            <a:r>
-              <a:rPr lang="en-US" sz="1800" dirty="0"/>
-              <a:t>D3</a:t>
-            </a:r>
-          </a:p>
-        </p:txBody>
-      </p:sp>
-    </p:spTree>
-    <p:extLst>
-      <p:ext uri="{BB962C8B-B14F-4D97-AF65-F5344CB8AC3E}">
-        <p14:creationId xmlns:p14="http://schemas.microsoft.com/office/powerpoint/2010/main" val="2584585142"/>
       </p:ext>
     </p:extLst>
   </p:cSld>

--- a/STEAM ANALYSIS DASHBOARD.pptx
+++ b/STEAM ANALYSIS DASHBOARD.pptx
@@ -10,7 +10,6 @@
     <p:sldId id="262" r:id="rId4"/>
     <p:sldId id="264" r:id="rId5"/>
     <p:sldId id="263" r:id="rId6"/>
-    <p:sldId id="261" r:id="rId7"/>
   </p:sldIdLst>
   <p:sldSz cx="12192000" cy="6858000"/>
   <p:notesSz cx="6858000" cy="9144000"/>
@@ -4681,15 +4680,7 @@
           <a:p>
             <a:r>
               <a:rPr lang="en-US" dirty="0"/>
-              <a:t>For a </a:t>
-            </a:r>
-            <a:r>
-              <a:rPr lang="en-US"/>
-              <a:t>more accurate study</a:t>
-            </a:r>
-            <a:r>
-              <a:rPr lang="en-US" dirty="0"/>
-              <a:t>, we’d need:</a:t>
+              <a:t>For a more accurate study, we’d need:</a:t>
             </a:r>
           </a:p>
           <a:p>
@@ -4738,700 +4729,6 @@
     <p:extLst>
       <p:ext uri="{BB962C8B-B14F-4D97-AF65-F5344CB8AC3E}">
         <p14:creationId xmlns:p14="http://schemas.microsoft.com/office/powerpoint/2010/main" val="2306865134"/>
-      </p:ext>
-    </p:extLst>
-  </p:cSld>
-  <p:clrMapOvr>
-    <a:masterClrMapping/>
-  </p:clrMapOvr>
-</p:sld>
-</file>
-
-<file path=ppt/slides/slide6.xml><?xml version="1.0" encoding="utf-8"?>
-<p:sld xmlns:a="http://schemas.openxmlformats.org/drawingml/2006/main" xmlns:r="http://schemas.openxmlformats.org/officeDocument/2006/relationships" xmlns:p="http://schemas.openxmlformats.org/presentationml/2006/main">
-  <p:cSld>
-    <p:spTree>
-      <p:nvGrpSpPr>
-        <p:cNvPr id="1" name=""/>
-        <p:cNvGrpSpPr/>
-        <p:nvPr/>
-      </p:nvGrpSpPr>
-      <p:grpSpPr>
-        <a:xfrm>
-          <a:off x="0" y="0"/>
-          <a:ext cx="0" cy="0"/>
-          <a:chOff x="0" y="0"/>
-          <a:chExt cx="0" cy="0"/>
-        </a:xfrm>
-      </p:grpSpPr>
-      <p:sp>
-        <p:nvSpPr>
-          <p:cNvPr id="23" name="Rectangle 22">
-            <a:extLst>
-              <a:ext uri="{FF2B5EF4-FFF2-40B4-BE49-F238E27FC236}">
-                <a16:creationId xmlns:a16="http://schemas.microsoft.com/office/drawing/2014/main" id="{90815325-2FB6-41CF-95B9-E31E956FB721}"/>
-              </a:ext>
-            </a:extLst>
-          </p:cNvPr>
-          <p:cNvSpPr/>
-          <p:nvPr/>
-        </p:nvSpPr>
-        <p:spPr>
-          <a:xfrm>
-            <a:off x="7932738" y="370"/>
-            <a:ext cx="4259262" cy="6857630"/>
-          </a:xfrm>
-          <a:prstGeom prst="rect">
-            <a:avLst/>
-          </a:prstGeom>
-          <a:effectLst>
-            <a:outerShdw blurRad="50800" dist="38100" dir="8100000" algn="tr" rotWithShape="0">
-              <a:prstClr val="black">
-                <a:alpha val="20000"/>
-              </a:prstClr>
-            </a:outerShdw>
-          </a:effectLst>
-        </p:spPr>
-        <p:style>
-          <a:lnRef idx="2">
-            <a:schemeClr val="accent3">
-              <a:shade val="50000"/>
-            </a:schemeClr>
-          </a:lnRef>
-          <a:fillRef idx="1">
-            <a:schemeClr val="accent3"/>
-          </a:fillRef>
-          <a:effectRef idx="0">
-            <a:schemeClr val="accent3"/>
-          </a:effectRef>
-          <a:fontRef idx="minor">
-            <a:schemeClr val="lt1"/>
-          </a:fontRef>
-        </p:style>
-        <p:txBody>
-          <a:bodyPr rtlCol="0" anchor="ctr"/>
-          <a:lstStyle/>
-          <a:p>
-            <a:pPr algn="ctr"/>
-            <a:endParaRPr lang="en-US" dirty="0">
-              <a:effectLst>
-                <a:outerShdw blurRad="50800" dist="38100" dir="2700000" algn="tl" rotWithShape="0">
-                  <a:prstClr val="black">
-                    <a:alpha val="40000"/>
-                  </a:prstClr>
-                </a:outerShdw>
-              </a:effectLst>
-            </a:endParaRPr>
-          </a:p>
-        </p:txBody>
-      </p:sp>
-      <p:sp>
-        <p:nvSpPr>
-          <p:cNvPr id="2" name="Title 1">
-            <a:extLst>
-              <a:ext uri="{FF2B5EF4-FFF2-40B4-BE49-F238E27FC236}">
-                <a16:creationId xmlns:a16="http://schemas.microsoft.com/office/drawing/2014/main" id="{AB359111-0A6C-49CE-A839-F686B7A78F0C}"/>
-              </a:ext>
-            </a:extLst>
-          </p:cNvPr>
-          <p:cNvSpPr>
-            <a:spLocks noGrp="1"/>
-          </p:cNvSpPr>
-          <p:nvPr>
-            <p:ph type="title"/>
-          </p:nvPr>
-        </p:nvSpPr>
-        <p:spPr>
-          <a:xfrm>
-            <a:off x="8364801" y="285867"/>
-            <a:ext cx="3395133" cy="1955248"/>
-          </a:xfrm>
-        </p:spPr>
-        <p:txBody>
-          <a:bodyPr vert="horz" lIns="91440" tIns="45720" rIns="91440" bIns="45720" rtlCol="0" anchor="t">
-            <a:normAutofit/>
-          </a:bodyPr>
-          <a:lstStyle/>
-          <a:p>
-            <a:pPr algn="ctr"/>
-            <a:r>
-              <a:rPr lang="en-US" b="1" kern="1200" dirty="0">
-                <a:solidFill>
-                  <a:schemeClr val="bg1"/>
-                </a:solidFill>
-                <a:effectLst>
-                  <a:outerShdw blurRad="50800" dist="38100" dir="2700000" algn="tl" rotWithShape="0">
-                    <a:prstClr val="black">
-                      <a:alpha val="40000"/>
-                    </a:prstClr>
-                  </a:outerShdw>
-                </a:effectLst>
-                <a:latin typeface="+mj-lt"/>
-                <a:ea typeface="+mj-ea"/>
-                <a:cs typeface="+mj-cs"/>
-              </a:rPr>
-              <a:t>TROUBLES </a:t>
-            </a:r>
-            <a:br>
-              <a:rPr lang="en-US" b="1" kern="1200" dirty="0">
-                <a:solidFill>
-                  <a:schemeClr val="bg1"/>
-                </a:solidFill>
-                <a:effectLst>
-                  <a:outerShdw blurRad="50800" dist="38100" dir="2700000" algn="tl" rotWithShape="0">
-                    <a:prstClr val="black">
-                      <a:alpha val="40000"/>
-                    </a:prstClr>
-                  </a:outerShdw>
-                </a:effectLst>
-                <a:latin typeface="+mj-lt"/>
-                <a:ea typeface="+mj-ea"/>
-                <a:cs typeface="+mj-cs"/>
-              </a:rPr>
-            </a:br>
-            <a:r>
-              <a:rPr lang="en-US" b="1" kern="1200" dirty="0">
-                <a:solidFill>
-                  <a:schemeClr val="bg1"/>
-                </a:solidFill>
-                <a:effectLst>
-                  <a:outerShdw blurRad="50800" dist="38100" dir="2700000" algn="tl" rotWithShape="0">
-                    <a:prstClr val="black">
-                      <a:alpha val="40000"/>
-                    </a:prstClr>
-                  </a:outerShdw>
-                </a:effectLst>
-                <a:latin typeface="+mj-lt"/>
-                <a:ea typeface="+mj-ea"/>
-                <a:cs typeface="+mj-cs"/>
-              </a:rPr>
-              <a:t>‘N’ </a:t>
-            </a:r>
-            <a:br>
-              <a:rPr lang="en-US" b="1" kern="1200" dirty="0">
-                <a:solidFill>
-                  <a:schemeClr val="bg1"/>
-                </a:solidFill>
-                <a:effectLst>
-                  <a:outerShdw blurRad="50800" dist="38100" dir="2700000" algn="tl" rotWithShape="0">
-                    <a:prstClr val="black">
-                      <a:alpha val="40000"/>
-                    </a:prstClr>
-                  </a:outerShdw>
-                </a:effectLst>
-                <a:latin typeface="+mj-lt"/>
-                <a:ea typeface="+mj-ea"/>
-                <a:cs typeface="+mj-cs"/>
-              </a:rPr>
-            </a:br>
-            <a:r>
-              <a:rPr lang="en-US" b="1" kern="1200" dirty="0">
-                <a:solidFill>
-                  <a:schemeClr val="bg1"/>
-                </a:solidFill>
-                <a:effectLst>
-                  <a:outerShdw blurRad="50800" dist="38100" dir="2700000" algn="tl" rotWithShape="0">
-                    <a:prstClr val="black">
-                      <a:alpha val="40000"/>
-                    </a:prstClr>
-                  </a:outerShdw>
-                </a:effectLst>
-                <a:latin typeface="+mj-lt"/>
-                <a:ea typeface="+mj-ea"/>
-                <a:cs typeface="+mj-cs"/>
-              </a:rPr>
-              <a:t>TURMOIL</a:t>
-            </a:r>
-            <a:endParaRPr lang="en-US" sz="1800" kern="1200" dirty="0">
-              <a:solidFill>
-                <a:schemeClr val="bg1"/>
-              </a:solidFill>
-              <a:effectLst>
-                <a:outerShdw blurRad="50800" dist="38100" dir="2700000" algn="tl" rotWithShape="0">
-                  <a:prstClr val="black">
-                    <a:alpha val="40000"/>
-                  </a:prstClr>
-                </a:outerShdw>
-              </a:effectLst>
-              <a:latin typeface="+mj-lt"/>
-              <a:ea typeface="+mj-ea"/>
-              <a:cs typeface="+mj-cs"/>
-            </a:endParaRPr>
-          </a:p>
-        </p:txBody>
-      </p:sp>
-      <p:pic>
-        <p:nvPicPr>
-          <p:cNvPr id="4" name="Content Placeholder 3" descr="A picture containing match, candle, lighter&#10;&#10;Description automatically generated">
-            <a:extLst>
-              <a:ext uri="{FF2B5EF4-FFF2-40B4-BE49-F238E27FC236}">
-                <a16:creationId xmlns:a16="http://schemas.microsoft.com/office/drawing/2014/main" id="{9CFF2B29-636B-402A-B387-C89736792B6E}"/>
-              </a:ext>
-            </a:extLst>
-          </p:cNvPr>
-          <p:cNvPicPr>
-            <a:picLocks noGrp="1" noChangeAspect="1"/>
-          </p:cNvPicPr>
-          <p:nvPr>
-            <p:ph idx="1"/>
-          </p:nvPr>
-        </p:nvPicPr>
-        <p:blipFill rotWithShape="1">
-          <a:blip r:embed="rId2">
-            <a:extLst>
-              <a:ext uri="{28A0092B-C50C-407E-A947-70E740481C1C}">
-                <a14:useLocalDpi xmlns:a14="http://schemas.microsoft.com/office/drawing/2010/main" val="0"/>
-              </a:ext>
-            </a:extLst>
-          </a:blip>
-          <a:srcRect l="1056" r="-4" b="-4"/>
-          <a:stretch/>
-        </p:blipFill>
-        <p:spPr>
-          <a:xfrm>
-            <a:off x="642938" y="644525"/>
-            <a:ext cx="2241550" cy="2171700"/>
-          </a:xfrm>
-          <a:prstGeom prst="rect">
-            <a:avLst/>
-          </a:prstGeom>
-          <a:effectLst>
-            <a:outerShdw blurRad="50800" dist="38100" dir="2700000" algn="tl" rotWithShape="0">
-              <a:prstClr val="black">
-                <a:alpha val="40000"/>
-              </a:prstClr>
-            </a:outerShdw>
-          </a:effectLst>
-        </p:spPr>
-      </p:pic>
-      <p:pic>
-        <p:nvPicPr>
-          <p:cNvPr id="7" name="Picture 6" descr="Text&#10;&#10;Description automatically generated">
-            <a:extLst>
-              <a:ext uri="{FF2B5EF4-FFF2-40B4-BE49-F238E27FC236}">
-                <a16:creationId xmlns:a16="http://schemas.microsoft.com/office/drawing/2014/main" id="{F88CF678-733C-4FDB-9AA5-75CD29F4B1C7}"/>
-              </a:ext>
-            </a:extLst>
-          </p:cNvPr>
-          <p:cNvPicPr>
-            <a:picLocks noChangeAspect="1"/>
-          </p:cNvPicPr>
-          <p:nvPr/>
-        </p:nvPicPr>
-        <p:blipFill>
-          <a:blip r:embed="rId3">
-            <a:extLst>
-              <a:ext uri="{28A0092B-C50C-407E-A947-70E740481C1C}">
-                <a14:useLocalDpi xmlns:a14="http://schemas.microsoft.com/office/drawing/2010/main" val="0"/>
-              </a:ext>
-            </a:extLst>
-          </a:blip>
-          <a:stretch>
-            <a:fillRect/>
-          </a:stretch>
-        </p:blipFill>
-        <p:spPr>
-          <a:xfrm>
-            <a:off x="2952750" y="644525"/>
-            <a:ext cx="4259263" cy="487363"/>
-          </a:xfrm>
-          <a:prstGeom prst="rect">
-            <a:avLst/>
-          </a:prstGeom>
-          <a:effectLst>
-            <a:outerShdw blurRad="50800" dist="38100" dir="2700000" algn="tl" rotWithShape="0">
-              <a:prstClr val="black">
-                <a:alpha val="40000"/>
-              </a:prstClr>
-            </a:outerShdw>
-          </a:effectLst>
-        </p:spPr>
-      </p:pic>
-      <p:pic>
-        <p:nvPicPr>
-          <p:cNvPr id="21" name="Picture 20" descr="Text&#10;&#10;Description automatically generated">
-            <a:extLst>
-              <a:ext uri="{FF2B5EF4-FFF2-40B4-BE49-F238E27FC236}">
-                <a16:creationId xmlns:a16="http://schemas.microsoft.com/office/drawing/2014/main" id="{9E702FAF-CDAB-43EC-AA69-DD368DFDC0C0}"/>
-              </a:ext>
-            </a:extLst>
-          </p:cNvPr>
-          <p:cNvPicPr>
-            <a:picLocks noChangeAspect="1"/>
-          </p:cNvPicPr>
-          <p:nvPr/>
-        </p:nvPicPr>
-        <p:blipFill>
-          <a:blip r:embed="rId4">
-            <a:extLst>
-              <a:ext uri="{28A0092B-C50C-407E-A947-70E740481C1C}">
-                <a14:useLocalDpi xmlns:a14="http://schemas.microsoft.com/office/drawing/2010/main" val="0"/>
-              </a:ext>
-            </a:extLst>
-          </a:blip>
-          <a:stretch>
-            <a:fillRect/>
-          </a:stretch>
-        </p:blipFill>
-        <p:spPr>
-          <a:xfrm>
-            <a:off x="2952750" y="1200150"/>
-            <a:ext cx="4259263" cy="1616075"/>
-          </a:xfrm>
-          <a:prstGeom prst="rect">
-            <a:avLst/>
-          </a:prstGeom>
-          <a:effectLst>
-            <a:outerShdw blurRad="50800" dist="38100" dir="2700000" algn="tl" rotWithShape="0">
-              <a:prstClr val="black">
-                <a:alpha val="40000"/>
-              </a:prstClr>
-            </a:outerShdw>
-          </a:effectLst>
-        </p:spPr>
-      </p:pic>
-      <p:pic>
-        <p:nvPicPr>
-          <p:cNvPr id="17" name="Picture 16" descr="Text&#10;&#10;Description automatically generated">
-            <a:extLst>
-              <a:ext uri="{FF2B5EF4-FFF2-40B4-BE49-F238E27FC236}">
-                <a16:creationId xmlns:a16="http://schemas.microsoft.com/office/drawing/2014/main" id="{804784E4-8CBE-4FE6-BDC1-C7D48603AA5F}"/>
-              </a:ext>
-            </a:extLst>
-          </p:cNvPr>
-          <p:cNvPicPr>
-            <a:picLocks noChangeAspect="1"/>
-          </p:cNvPicPr>
-          <p:nvPr/>
-        </p:nvPicPr>
-        <p:blipFill>
-          <a:blip r:embed="rId5">
-            <a:extLst>
-              <a:ext uri="{28A0092B-C50C-407E-A947-70E740481C1C}">
-                <a14:useLocalDpi xmlns:a14="http://schemas.microsoft.com/office/drawing/2010/main" val="0"/>
-              </a:ext>
-            </a:extLst>
-          </a:blip>
-          <a:stretch>
-            <a:fillRect/>
-          </a:stretch>
-        </p:blipFill>
-        <p:spPr>
-          <a:xfrm>
-            <a:off x="642938" y="2884488"/>
-            <a:ext cx="6569075" cy="1095375"/>
-          </a:xfrm>
-          <a:prstGeom prst="rect">
-            <a:avLst/>
-          </a:prstGeom>
-          <a:effectLst>
-            <a:outerShdw blurRad="50800" dist="38100" dir="2700000" algn="tl" rotWithShape="0">
-              <a:prstClr val="black">
-                <a:alpha val="40000"/>
-              </a:prstClr>
-            </a:outerShdw>
-          </a:effectLst>
-        </p:spPr>
-      </p:pic>
-      <p:pic>
-        <p:nvPicPr>
-          <p:cNvPr id="6" name="Picture 5" descr="Graphical user interface, text&#10;&#10;Description automatically generated">
-            <a:extLst>
-              <a:ext uri="{FF2B5EF4-FFF2-40B4-BE49-F238E27FC236}">
-                <a16:creationId xmlns:a16="http://schemas.microsoft.com/office/drawing/2014/main" id="{303B8FD5-21DF-4F28-8839-B0C5B3E683EE}"/>
-              </a:ext>
-            </a:extLst>
-          </p:cNvPr>
-          <p:cNvPicPr>
-            <a:picLocks noChangeAspect="1"/>
-          </p:cNvPicPr>
-          <p:nvPr/>
-        </p:nvPicPr>
-        <p:blipFill>
-          <a:blip r:embed="rId6">
-            <a:extLst>
-              <a:ext uri="{28A0092B-C50C-407E-A947-70E740481C1C}">
-                <a14:useLocalDpi xmlns:a14="http://schemas.microsoft.com/office/drawing/2010/main" val="0"/>
-              </a:ext>
-            </a:extLst>
-          </a:blip>
-          <a:stretch>
-            <a:fillRect/>
-          </a:stretch>
-        </p:blipFill>
-        <p:spPr>
-          <a:xfrm>
-            <a:off x="642938" y="4048125"/>
-            <a:ext cx="6569075" cy="1189038"/>
-          </a:xfrm>
-          <a:prstGeom prst="rect">
-            <a:avLst/>
-          </a:prstGeom>
-          <a:effectLst>
-            <a:outerShdw blurRad="50800" dist="38100" dir="2700000" algn="tl" rotWithShape="0">
-              <a:prstClr val="black">
-                <a:alpha val="40000"/>
-              </a:prstClr>
-            </a:outerShdw>
-          </a:effectLst>
-        </p:spPr>
-      </p:pic>
-      <p:pic>
-        <p:nvPicPr>
-          <p:cNvPr id="19" name="Picture 18" descr="Background pattern&#10;&#10;Description automatically generated with medium confidence">
-            <a:extLst>
-              <a:ext uri="{FF2B5EF4-FFF2-40B4-BE49-F238E27FC236}">
-                <a16:creationId xmlns:a16="http://schemas.microsoft.com/office/drawing/2014/main" id="{80735CB4-C8F3-4390-BFC4-CF63728EBAC8}"/>
-              </a:ext>
-            </a:extLst>
-          </p:cNvPr>
-          <p:cNvPicPr>
-            <a:picLocks noChangeAspect="1"/>
-          </p:cNvPicPr>
-          <p:nvPr/>
-        </p:nvPicPr>
-        <p:blipFill>
-          <a:blip r:embed="rId7">
-            <a:extLst>
-              <a:ext uri="{28A0092B-C50C-407E-A947-70E740481C1C}">
-                <a14:useLocalDpi xmlns:a14="http://schemas.microsoft.com/office/drawing/2010/main" val="0"/>
-              </a:ext>
-            </a:extLst>
-          </a:blip>
-          <a:stretch>
-            <a:fillRect/>
-          </a:stretch>
-        </p:blipFill>
-        <p:spPr>
-          <a:xfrm>
-            <a:off x="642938" y="5303838"/>
-            <a:ext cx="6569075" cy="906463"/>
-          </a:xfrm>
-          <a:prstGeom prst="rect">
-            <a:avLst/>
-          </a:prstGeom>
-          <a:effectLst>
-            <a:outerShdw blurRad="50800" dist="38100" dir="2700000" algn="tl" rotWithShape="0">
-              <a:prstClr val="black">
-                <a:alpha val="40000"/>
-              </a:prstClr>
-            </a:outerShdw>
-          </a:effectLst>
-        </p:spPr>
-      </p:pic>
-      <p:sp>
-        <p:nvSpPr>
-          <p:cNvPr id="22" name="TextBox 21">
-            <a:extLst>
-              <a:ext uri="{FF2B5EF4-FFF2-40B4-BE49-F238E27FC236}">
-                <a16:creationId xmlns:a16="http://schemas.microsoft.com/office/drawing/2014/main" id="{831737C1-289F-4BA4-89C2-4EF0D0D459AD}"/>
-              </a:ext>
-            </a:extLst>
-          </p:cNvPr>
-          <p:cNvSpPr txBox="1"/>
-          <p:nvPr/>
-        </p:nvSpPr>
-        <p:spPr>
-          <a:xfrm>
-            <a:off x="7561780" y="2449762"/>
-            <a:ext cx="5001177" cy="3970318"/>
-          </a:xfrm>
-          <a:prstGeom prst="rect">
-            <a:avLst/>
-          </a:prstGeom>
-          <a:noFill/>
-        </p:spPr>
-        <p:txBody>
-          <a:bodyPr wrap="square" rtlCol="0">
-            <a:spAutoFit/>
-          </a:bodyPr>
-          <a:lstStyle/>
-          <a:p>
-            <a:pPr algn="ctr"/>
-            <a:r>
-              <a:rPr lang="en-US" sz="2800" dirty="0">
-                <a:solidFill>
-                  <a:schemeClr val="bg1"/>
-                </a:solidFill>
-                <a:effectLst>
-                  <a:outerShdw blurRad="50800" dist="38100" dir="2700000" algn="tl" rotWithShape="0">
-                    <a:prstClr val="black">
-                      <a:alpha val="40000"/>
-                    </a:prstClr>
-                  </a:outerShdw>
-                </a:effectLst>
-              </a:rPr>
-              <a:t>160GB Database </a:t>
-            </a:r>
-          </a:p>
-          <a:p>
-            <a:pPr algn="ctr"/>
-            <a:endParaRPr lang="en-US" sz="2800" dirty="0">
-              <a:solidFill>
-                <a:schemeClr val="bg1"/>
-              </a:solidFill>
-              <a:effectLst>
-                <a:outerShdw blurRad="50800" dist="38100" dir="2700000" algn="tl" rotWithShape="0">
-                  <a:prstClr val="black">
-                    <a:alpha val="40000"/>
-                  </a:prstClr>
-                </a:outerShdw>
-              </a:effectLst>
-            </a:endParaRPr>
-          </a:p>
-          <a:p>
-            <a:pPr algn="ctr"/>
-            <a:r>
-              <a:rPr lang="en-US" sz="2800" dirty="0">
-                <a:solidFill>
-                  <a:schemeClr val="bg1"/>
-                </a:solidFill>
-                <a:effectLst>
-                  <a:outerShdw blurRad="50800" dist="38100" dir="2700000" algn="tl" rotWithShape="0">
-                    <a:prstClr val="black">
-                      <a:alpha val="40000"/>
-                    </a:prstClr>
-                  </a:outerShdw>
-                </a:effectLst>
-              </a:rPr>
-              <a:t>Memory Error</a:t>
-            </a:r>
-            <a:br>
-              <a:rPr lang="en-US" sz="2800" dirty="0">
-                <a:solidFill>
-                  <a:schemeClr val="bg1"/>
-                </a:solidFill>
-                <a:effectLst>
-                  <a:outerShdw blurRad="50800" dist="38100" dir="2700000" algn="tl" rotWithShape="0">
-                    <a:prstClr val="black">
-                      <a:alpha val="40000"/>
-                    </a:prstClr>
-                  </a:outerShdw>
-                </a:effectLst>
-              </a:rPr>
-            </a:br>
-            <a:br>
-              <a:rPr lang="en-US" sz="2800" dirty="0">
-                <a:solidFill>
-                  <a:schemeClr val="bg1"/>
-                </a:solidFill>
-                <a:effectLst>
-                  <a:outerShdw blurRad="50800" dist="38100" dir="2700000" algn="tl" rotWithShape="0">
-                    <a:prstClr val="black">
-                      <a:alpha val="40000"/>
-                    </a:prstClr>
-                  </a:outerShdw>
-                </a:effectLst>
-              </a:rPr>
-            </a:br>
-            <a:r>
-              <a:rPr lang="en-US" sz="2800" dirty="0">
-                <a:solidFill>
-                  <a:schemeClr val="bg1"/>
-                </a:solidFill>
-                <a:effectLst>
-                  <a:outerShdw blurRad="50800" dist="38100" dir="2700000" algn="tl" rotWithShape="0">
-                    <a:prstClr val="black">
-                      <a:alpha val="40000"/>
-                    </a:prstClr>
-                  </a:outerShdw>
-                </a:effectLst>
-              </a:rPr>
-              <a:t>Big Data, Big Problems</a:t>
-            </a:r>
-            <a:br>
-              <a:rPr lang="en-US" sz="2800" dirty="0">
-                <a:solidFill>
-                  <a:schemeClr val="bg1"/>
-                </a:solidFill>
-                <a:effectLst>
-                  <a:outerShdw blurRad="50800" dist="38100" dir="2700000" algn="tl" rotWithShape="0">
-                    <a:prstClr val="black">
-                      <a:alpha val="40000"/>
-                    </a:prstClr>
-                  </a:outerShdw>
-                </a:effectLst>
-              </a:rPr>
-            </a:br>
-            <a:br>
-              <a:rPr lang="en-US" sz="2800" dirty="0">
-                <a:solidFill>
-                  <a:schemeClr val="bg1"/>
-                </a:solidFill>
-                <a:effectLst>
-                  <a:outerShdw blurRad="50800" dist="38100" dir="2700000" algn="tl" rotWithShape="0">
-                    <a:prstClr val="black">
-                      <a:alpha val="40000"/>
-                    </a:prstClr>
-                  </a:outerShdw>
-                </a:effectLst>
-              </a:rPr>
-            </a:br>
-            <a:r>
-              <a:rPr lang="en-US" sz="2800" dirty="0">
-                <a:solidFill>
-                  <a:schemeClr val="bg1"/>
-                </a:solidFill>
-                <a:effectLst>
-                  <a:outerShdw blurRad="50800" dist="38100" dir="2700000" algn="tl" rotWithShape="0">
-                    <a:prstClr val="black">
-                      <a:alpha val="40000"/>
-                    </a:prstClr>
-                  </a:outerShdw>
-                </a:effectLst>
-              </a:rPr>
-              <a:t>User Input Shenanigans \\,</a:t>
-            </a:r>
-            <a:br>
-              <a:rPr lang="en-US" sz="2800" dirty="0">
-                <a:solidFill>
-                  <a:schemeClr val="bg1"/>
-                </a:solidFill>
-                <a:effectLst>
-                  <a:outerShdw blurRad="50800" dist="38100" dir="2700000" algn="tl" rotWithShape="0">
-                    <a:prstClr val="black">
-                      <a:alpha val="40000"/>
-                    </a:prstClr>
-                  </a:outerShdw>
-                </a:effectLst>
-              </a:rPr>
-            </a:br>
-            <a:br>
-              <a:rPr lang="en-US" sz="2800" dirty="0">
-                <a:solidFill>
-                  <a:schemeClr val="bg1"/>
-                </a:solidFill>
-                <a:effectLst>
-                  <a:outerShdw blurRad="50800" dist="38100" dir="2700000" algn="tl" rotWithShape="0">
-                    <a:prstClr val="black">
-                      <a:alpha val="40000"/>
-                    </a:prstClr>
-                  </a:outerShdw>
-                </a:effectLst>
-              </a:rPr>
-            </a:br>
-            <a:r>
-              <a:rPr lang="en-US" sz="2800" dirty="0">
-                <a:solidFill>
-                  <a:schemeClr val="bg1"/>
-                </a:solidFill>
-                <a:effectLst>
-                  <a:outerShdw blurRad="50800" dist="38100" dir="2700000" algn="tl" rotWithShape="0">
-                    <a:prstClr val="black">
-                      <a:alpha val="40000"/>
-                    </a:prstClr>
-                  </a:outerShdw>
-                </a:effectLst>
-              </a:rPr>
-              <a:t>Big Tables, Slow Queries</a:t>
-            </a:r>
-          </a:p>
-        </p:txBody>
-      </p:sp>
-    </p:spTree>
-    <p:extLst>
-      <p:ext uri="{BB962C8B-B14F-4D97-AF65-F5344CB8AC3E}">
-        <p14:creationId xmlns:p14="http://schemas.microsoft.com/office/powerpoint/2010/main" val="4233537037"/>
       </p:ext>
     </p:extLst>
   </p:cSld>
